--- a/Lecture notes/week1_overview/Introduction to Web design.pptx
+++ b/Lecture notes/week1_overview/Introduction to Web design.pptx
@@ -11,23 +11,26 @@
     <p:sldId id="259" r:id="rId5"/>
     <p:sldId id="260" r:id="rId6"/>
     <p:sldId id="306" r:id="rId7"/>
-    <p:sldId id="261" r:id="rId8"/>
-    <p:sldId id="263" r:id="rId9"/>
-    <p:sldId id="264" r:id="rId10"/>
-    <p:sldId id="262" r:id="rId11"/>
-    <p:sldId id="278" r:id="rId12"/>
-    <p:sldId id="265" r:id="rId13"/>
-    <p:sldId id="266" r:id="rId14"/>
-    <p:sldId id="267" r:id="rId15"/>
-    <p:sldId id="279" r:id="rId16"/>
-    <p:sldId id="280" r:id="rId17"/>
-    <p:sldId id="281" r:id="rId18"/>
-    <p:sldId id="277" r:id="rId19"/>
-    <p:sldId id="282" r:id="rId20"/>
-    <p:sldId id="283" r:id="rId21"/>
-    <p:sldId id="285" r:id="rId22"/>
-    <p:sldId id="284" r:id="rId23"/>
-    <p:sldId id="286" r:id="rId24"/>
+    <p:sldId id="308" r:id="rId8"/>
+    <p:sldId id="261" r:id="rId9"/>
+    <p:sldId id="263" r:id="rId10"/>
+    <p:sldId id="264" r:id="rId11"/>
+    <p:sldId id="262" r:id="rId12"/>
+    <p:sldId id="278" r:id="rId13"/>
+    <p:sldId id="265" r:id="rId14"/>
+    <p:sldId id="266" r:id="rId15"/>
+    <p:sldId id="267" r:id="rId16"/>
+    <p:sldId id="279" r:id="rId17"/>
+    <p:sldId id="280" r:id="rId18"/>
+    <p:sldId id="281" r:id="rId19"/>
+    <p:sldId id="307" r:id="rId20"/>
+    <p:sldId id="277" r:id="rId21"/>
+    <p:sldId id="282" r:id="rId22"/>
+    <p:sldId id="309" r:id="rId23"/>
+    <p:sldId id="283" r:id="rId24"/>
+    <p:sldId id="285" r:id="rId25"/>
+    <p:sldId id="284" r:id="rId26"/>
+    <p:sldId id="286" r:id="rId27"/>
   </p:sldIdLst>
   <p:sldSz cx="12192000" cy="6858000"/>
   <p:notesSz cx="6858000" cy="9144000"/>
@@ -128,7 +131,7 @@
   </p:defaultTextStyle>
   <p:extLst>
     <p:ext uri="{EFAFB233-063F-42B5-8137-9DF3F51BA10A}">
-      <p15:sldGuideLst xmlns="" xmlns:p15="http://schemas.microsoft.com/office/powerpoint/2012/main"/>
+      <p15:sldGuideLst xmlns:p15="http://schemas.microsoft.com/office/powerpoint/2012/main" xmlns=""/>
     </p:ext>
   </p:extLst>
 </p:presentation>
@@ -3947,15 +3950,7 @@
           <a:p>
             <a:r>
               <a:rPr lang="en-US" dirty="0" smtClean="0"/>
-              <a:t>How Does </a:t>
-            </a:r>
-            <a:r>
-              <a:rPr lang="en-US" dirty="0" err="1" smtClean="0"/>
-              <a:t>css</a:t>
-            </a:r>
-            <a:r>
-              <a:rPr lang="en-US" dirty="0" smtClean="0"/>
-              <a:t> handle conflicts?</a:t>
+              <a:t>Changing Elements via class</a:t>
             </a:r>
             <a:endParaRPr lang="en-US" dirty="0"/>
           </a:p>
@@ -3973,28 +3968,22 @@
         </p:nvSpPr>
         <p:spPr>
           <a:xfrm>
-            <a:off x="581192" y="2168139"/>
-            <a:ext cx="11029615" cy="3678303"/>
+            <a:off x="370704" y="2001796"/>
+            <a:ext cx="11240104" cy="4572000"/>
           </a:xfrm>
         </p:spPr>
         <p:txBody>
-          <a:bodyPr/>
+          <a:bodyPr>
+            <a:normAutofit fontScale="77500" lnSpcReduction="20000"/>
+          </a:bodyPr>
           <a:lstStyle/>
           <a:p>
             <a:pPr marL="0" indent="0">
               <a:buNone/>
             </a:pPr>
             <a:r>
-              <a:rPr lang="en-US" dirty="0"/>
-              <a:t>body {</a:t>
-            </a:r>
-            <a:r>
-              <a:rPr lang="en-US" dirty="0" err="1"/>
-              <a:t>color:red</a:t>
-            </a:r>
-            <a:r>
-              <a:rPr lang="en-US" dirty="0"/>
-              <a:t>;}</a:t>
+              <a:rPr lang="en-US" sz="1600" dirty="0"/>
+              <a:t>&lt;!DOCTYPE html&gt;</a:t>
             </a:r>
           </a:p>
           <a:p>
@@ -4002,8 +3991,8 @@
               <a:buNone/>
             </a:pPr>
             <a:r>
-              <a:rPr lang="en-US" dirty="0"/>
-              <a:t>.body-text{font-family:serif;font-size:12pt;} </a:t>
+              <a:rPr lang="en-US" sz="1600" dirty="0"/>
+              <a:t>&lt;html&gt;</a:t>
             </a:r>
           </a:p>
           <a:p>
@@ -4011,16 +4000,8 @@
               <a:buNone/>
             </a:pPr>
             <a:r>
-              <a:rPr lang="en-US" dirty="0"/>
-              <a:t>p{</a:t>
-            </a:r>
-            <a:r>
-              <a:rPr lang="en-US" dirty="0" err="1"/>
-              <a:t>font-family:serif;font-weight:bold</a:t>
-            </a:r>
-            <a:r>
-              <a:rPr lang="en-US" dirty="0"/>
-              <a:t>}</a:t>
+              <a:rPr lang="en-US" sz="1600" dirty="0"/>
+              <a:t>&lt;head&gt;</a:t>
             </a:r>
           </a:p>
           <a:p>
@@ -4028,22 +4009,17 @@
               <a:buNone/>
             </a:pPr>
             <a:r>
-              <a:rPr lang="en-US" dirty="0"/>
-              <a:t>#first-paragraph{font-family:sans-serif;font-size:20pt;font-weight:normal;}</a:t>
-            </a:r>
-            <a:r>
-              <a:rPr lang="en-US" dirty="0" err="1" smtClean="0"/>
-              <a:t>dy</a:t>
-            </a:r>
-            <a:endParaRPr lang="en-US" dirty="0"/>
+              <a:rPr lang="en-US" sz="1600" dirty="0"/>
+              <a:t>    &lt;meta charset="utf-8"&gt;</a:t>
+            </a:r>
           </a:p>
           <a:p>
             <a:pPr marL="0" indent="0">
               <a:buNone/>
             </a:pPr>
             <a:r>
-              <a:rPr lang="en-US" dirty="0"/>
-              <a:t>body  div {background-color: salmon;}</a:t>
+              <a:rPr lang="en-US" sz="1600" dirty="0"/>
+              <a:t>    &lt;title&gt;Simple Cascading Example&lt;/title&gt;</a:t>
             </a:r>
           </a:p>
           <a:p>
@@ -4051,16 +4027,156 @@
               <a:buNone/>
             </a:pPr>
             <a:r>
-              <a:rPr lang="en-US" dirty="0"/>
-              <a:t>body &gt; div {background-color: yellow;}</a:t>
-            </a:r>
+              <a:rPr lang="en-US" sz="1600" dirty="0"/>
+              <a:t>    &lt;link </a:t>
+            </a:r>
+            <a:r>
+              <a:rPr lang="en-US" sz="1600" dirty="0" err="1"/>
+              <a:t>href</a:t>
+            </a:r>
+            <a:r>
+              <a:rPr lang="en-US" sz="1600" dirty="0"/>
+              <a:t>="</a:t>
+            </a:r>
+            <a:r>
+              <a:rPr lang="en-US" sz="1600" dirty="0" err="1" smtClean="0"/>
+              <a:t>style_cascading.css</a:t>
+            </a:r>
+            <a:r>
+              <a:rPr lang="en-US" sz="1600" dirty="0"/>
+              <a:t>" </a:t>
+            </a:r>
+            <a:r>
+              <a:rPr lang="en-US" sz="1600" dirty="0" err="1"/>
+              <a:t>rel</a:t>
+            </a:r>
+            <a:r>
+              <a:rPr lang="en-US" sz="1600" dirty="0"/>
+              <a:t>="</a:t>
+            </a:r>
+            <a:r>
+              <a:rPr lang="en-US" sz="1600" dirty="0" err="1"/>
+              <a:t>stylesheet</a:t>
+            </a:r>
+            <a:r>
+              <a:rPr lang="en-US" sz="1600" dirty="0"/>
+              <a:t>"&gt;</a:t>
+            </a:r>
+          </a:p>
+          <a:p>
+            <a:pPr marL="0" indent="0">
+              <a:buNone/>
+            </a:pPr>
+            <a:r>
+              <a:rPr lang="en-US" sz="1600" dirty="0"/>
+              <a:t>&lt;/head&gt;</a:t>
+            </a:r>
+          </a:p>
+          <a:p>
+            <a:pPr marL="0" indent="0">
+              <a:buNone/>
+            </a:pPr>
+            <a:r>
+              <a:rPr lang="en-US" sz="1600" dirty="0"/>
+              <a:t>&lt;body&gt;</a:t>
+            </a:r>
+          </a:p>
+          <a:p>
+            <a:pPr marL="0" indent="0">
+              <a:buNone/>
+            </a:pPr>
+            <a:r>
+              <a:rPr lang="en-US" sz="1600" dirty="0"/>
+              <a:t>   &lt;p id="first-paragraph" class="header" class=“body-text”&gt;Paragraph One&lt;/p&gt;</a:t>
+            </a:r>
+          </a:p>
+          <a:p>
+            <a:pPr marL="0" indent="0">
+              <a:buNone/>
+            </a:pPr>
+            <a:r>
+              <a:rPr lang="en-US" sz="1600" dirty="0"/>
+              <a:t>	&lt;p class=“body-text”&gt;Paragraph Two&lt;/p&gt;</a:t>
+            </a:r>
+          </a:p>
+          <a:p>
+            <a:pPr marL="0" indent="0">
+              <a:buNone/>
+            </a:pPr>
+            <a:r>
+              <a:rPr lang="en-US" sz="1600" dirty="0"/>
+              <a:t>	&lt;p class=“body-text”&gt;Paragraph </a:t>
+            </a:r>
+            <a:r>
+              <a:rPr lang="en-US" sz="1600" dirty="0" err="1"/>
+              <a:t>Thre</a:t>
+            </a:r>
+            <a:r>
+              <a:rPr lang="en-US" sz="1600" dirty="0"/>
+              <a:t>&lt;/p&gt;</a:t>
+            </a:r>
+          </a:p>
+          <a:p>
+            <a:pPr marL="0" indent="0">
+              <a:buNone/>
+            </a:pPr>
+            <a:r>
+              <a:rPr lang="en-US" sz="1600" dirty="0"/>
+              <a:t>	&lt;p class=“”&gt;Paragraph Three&lt;/p&gt;</a:t>
+            </a:r>
+          </a:p>
+          <a:p>
+            <a:pPr marL="0" indent="0">
+              <a:buNone/>
+            </a:pPr>
+            <a:r>
+              <a:rPr lang="en-US" sz="1600" dirty="0"/>
+              <a:t>	&lt;p class=“”&gt;Paragraph Four&lt;/p&gt;</a:t>
+            </a:r>
+          </a:p>
+          <a:p>
+            <a:pPr marL="0" indent="0">
+              <a:buNone/>
+            </a:pPr>
+            <a:r>
+              <a:rPr lang="en-US" sz="1600" dirty="0"/>
+              <a:t>	&lt;div&gt;This is a child&lt;/div&gt;</a:t>
+            </a:r>
+          </a:p>
+          <a:p>
+            <a:pPr marL="0" indent="0">
+              <a:buNone/>
+            </a:pPr>
+            <a:r>
+              <a:rPr lang="en-US" sz="1600" dirty="0"/>
+              <a:t>	&lt;div&gt;&lt;div&gt;This is a grandchild&lt;/div&gt;&lt;/div&gt;</a:t>
+            </a:r>
+          </a:p>
+          <a:p>
+            <a:pPr marL="0" indent="0">
+              <a:buNone/>
+            </a:pPr>
+            <a:r>
+              <a:rPr lang="en-US" sz="1600" dirty="0"/>
+              <a:t>&lt;/body&gt;</a:t>
+            </a:r>
+          </a:p>
+          <a:p>
+            <a:pPr marL="0" indent="0">
+              <a:buNone/>
+            </a:pPr>
+            <a:r>
+              <a:rPr lang="en-US" sz="1600" dirty="0"/>
+              <a:t>&lt;/html&gt;</a:t>
+            </a:r>
+            <a:endParaRPr lang="en-US" dirty="0"/>
           </a:p>
         </p:txBody>
       </p:sp>
     </p:spTree>
     <p:extLst>
       <p:ext uri="{BB962C8B-B14F-4D97-AF65-F5344CB8AC3E}">
-        <p14:creationId xmlns:p14="http://schemas.microsoft.com/office/powerpoint/2010/main" val="4001652524"/>
+        <p14:creationId xmlns:p14="http://schemas.microsoft.com/office/powerpoint/2010/main" val="1391026707"/>
       </p:ext>
     </p:extLst>
   </p:cSld>
@@ -4111,7 +4227,15 @@
           <a:p>
             <a:r>
               <a:rPr lang="en-US" dirty="0" smtClean="0"/>
-              <a:t>Inheritance: Why is the text All RED</a:t>
+              <a:t>How Does </a:t>
+            </a:r>
+            <a:r>
+              <a:rPr lang="en-US" dirty="0" err="1" smtClean="0"/>
+              <a:t>css</a:t>
+            </a:r>
+            <a:r>
+              <a:rPr lang="en-US" dirty="0" smtClean="0"/>
+              <a:t> handle conflicts?</a:t>
             </a:r>
             <a:endParaRPr lang="en-US" dirty="0"/>
           </a:p>
@@ -4129,37 +4253,94 @@
         </p:nvSpPr>
         <p:spPr>
           <a:xfrm>
-            <a:off x="581192" y="2180497"/>
-            <a:ext cx="11029615" cy="1832704"/>
+            <a:off x="581192" y="2168139"/>
+            <a:ext cx="11029615" cy="3678303"/>
           </a:xfrm>
         </p:spPr>
         <p:txBody>
-          <a:bodyPr>
-            <a:noAutofit/>
-          </a:bodyPr>
+          <a:bodyPr/>
           <a:lstStyle/>
           <a:p>
-            <a:r>
-              <a:rPr lang="en-US" sz="2800" dirty="0" smtClean="0"/>
-              <a:t>Many attributes of parent elements, for example color and alignment, are inherited by children. Setting the color of the body element to red causes all elements contained by &lt;body&gt; to become red.</a:t>
-            </a:r>
-          </a:p>
-          <a:p>
             <a:pPr marL="0" indent="0">
               <a:buNone/>
             </a:pPr>
             <a:r>
-              <a:rPr lang="en-US" sz="2800" dirty="0" smtClean="0"/>
-              <a:t>		Body{color: red}</a:t>
-            </a:r>
-            <a:endParaRPr lang="en-US" sz="2800" dirty="0"/>
+              <a:rPr lang="en-US" dirty="0"/>
+              <a:t>body {</a:t>
+            </a:r>
+            <a:r>
+              <a:rPr lang="en-US" dirty="0" err="1"/>
+              <a:t>color:red</a:t>
+            </a:r>
+            <a:r>
+              <a:rPr lang="en-US" dirty="0"/>
+              <a:t>;}</a:t>
+            </a:r>
+          </a:p>
+          <a:p>
+            <a:pPr marL="0" indent="0">
+              <a:buNone/>
+            </a:pPr>
+            <a:r>
+              <a:rPr lang="en-US" dirty="0"/>
+              <a:t>.body-text{font-family:serif;font-size:12pt;} </a:t>
+            </a:r>
+          </a:p>
+          <a:p>
+            <a:pPr marL="0" indent="0">
+              <a:buNone/>
+            </a:pPr>
+            <a:r>
+              <a:rPr lang="en-US" dirty="0"/>
+              <a:t>p{</a:t>
+            </a:r>
+            <a:r>
+              <a:rPr lang="en-US" dirty="0" err="1"/>
+              <a:t>font-family:serif;font-weight:bold</a:t>
+            </a:r>
+            <a:r>
+              <a:rPr lang="en-US" dirty="0"/>
+              <a:t>}</a:t>
+            </a:r>
+          </a:p>
+          <a:p>
+            <a:pPr marL="0" indent="0">
+              <a:buNone/>
+            </a:pPr>
+            <a:r>
+              <a:rPr lang="en-US" dirty="0"/>
+              <a:t>#first-paragraph{font-family:sans-serif;font-size:20pt;font-weight:normal;}</a:t>
+            </a:r>
+            <a:r>
+              <a:rPr lang="en-US" dirty="0" err="1" smtClean="0"/>
+              <a:t>dy</a:t>
+            </a:r>
+            <a:endParaRPr lang="en-US" dirty="0"/>
+          </a:p>
+          <a:p>
+            <a:pPr marL="0" indent="0">
+              <a:buNone/>
+            </a:pPr>
+            <a:r>
+              <a:rPr lang="en-US" dirty="0"/>
+              <a:t>body  div {background-color: salmon;}</a:t>
+            </a:r>
+          </a:p>
+          <a:p>
+            <a:pPr marL="0" indent="0">
+              <a:buNone/>
+            </a:pPr>
+            <a:r>
+              <a:rPr lang="en-US" dirty="0"/>
+              <a:t>body &gt; div {background-color: yellow;}</a:t>
+            </a:r>
           </a:p>
         </p:txBody>
       </p:sp>
     </p:spTree>
     <p:extLst>
       <p:ext uri="{BB962C8B-B14F-4D97-AF65-F5344CB8AC3E}">
-        <p14:creationId xmlns:p14="http://schemas.microsoft.com/office/powerpoint/2010/main" val="2332007205"/>
+        <p14:creationId xmlns:p14="http://schemas.microsoft.com/office/powerpoint/2010/main" val="4001652524"/>
       </p:ext>
     </p:extLst>
   </p:cSld>
@@ -4210,7 +4391,11 @@
           <a:p>
             <a:r>
               <a:rPr lang="en-US" dirty="0" smtClean="0"/>
-              <a:t>Cascading: selecting children</a:t>
+              <a:t>Inheritance: Why is the text All </a:t>
+            </a:r>
+            <a:r>
+              <a:rPr lang="en-US" dirty="0" smtClean="0"/>
+              <a:t>RED?</a:t>
             </a:r>
             <a:endParaRPr lang="en-US" dirty="0"/>
           </a:p>
@@ -4229,33 +4414,36 @@
         <p:spPr>
           <a:xfrm>
             <a:off x="581192" y="2180497"/>
-            <a:ext cx="11029615" cy="1086960"/>
+            <a:ext cx="11029615" cy="1832704"/>
           </a:xfrm>
         </p:spPr>
         <p:txBody>
-          <a:bodyPr/>
+          <a:bodyPr>
+            <a:noAutofit/>
+          </a:bodyPr>
           <a:lstStyle/>
           <a:p>
+            <a:r>
+              <a:rPr lang="en-US" sz="2800" dirty="0" smtClean="0"/>
+              <a:t>Many attributes of parent elements, for example color and alignment, are inherited by children. Setting the color of the body element to red causes all elements contained by &lt;body&gt; to become red.</a:t>
+            </a:r>
+          </a:p>
+          <a:p>
             <a:pPr marL="0" indent="0">
               <a:buNone/>
             </a:pPr>
             <a:r>
-              <a:rPr lang="en-US" dirty="0" smtClean="0"/>
-              <a:t>Attributes of parent elements are often, not always, inherited by children.</a:t>
-            </a:r>
-          </a:p>
-          <a:p>
-            <a:pPr marL="0" indent="0">
-              <a:buNone/>
-            </a:pPr>
-            <a:endParaRPr lang="en-US" dirty="0"/>
+              <a:rPr lang="en-US" sz="2800" dirty="0" smtClean="0"/>
+              <a:t>		Body{color: red}</a:t>
+            </a:r>
+            <a:endParaRPr lang="en-US" sz="2800" dirty="0"/>
           </a:p>
         </p:txBody>
       </p:sp>
     </p:spTree>
     <p:extLst>
       <p:ext uri="{BB962C8B-B14F-4D97-AF65-F5344CB8AC3E}">
-        <p14:creationId xmlns:p14="http://schemas.microsoft.com/office/powerpoint/2010/main" val="1254175810"/>
+        <p14:creationId xmlns:p14="http://schemas.microsoft.com/office/powerpoint/2010/main" val="2332007205"/>
       </p:ext>
     </p:extLst>
   </p:cSld>
@@ -4306,7 +4494,7 @@
           <a:p>
             <a:r>
               <a:rPr lang="en-US" dirty="0" smtClean="0"/>
-              <a:t>Cascading: selecting immediate children</a:t>
+              <a:t>Cascading: selecting children</a:t>
             </a:r>
             <a:endParaRPr lang="en-US" dirty="0"/>
           </a:p>
@@ -4322,73 +4510,36 @@
             <p:ph idx="1"/>
           </p:nvPr>
         </p:nvSpPr>
-        <p:spPr/>
-        <p:txBody>
-          <a:bodyPr>
-            <a:normAutofit/>
-          </a:bodyPr>
+        <p:spPr>
+          <a:xfrm>
+            <a:off x="581192" y="2180497"/>
+            <a:ext cx="11029615" cy="1086960"/>
+          </a:xfrm>
+        </p:spPr>
+        <p:txBody>
+          <a:bodyPr/>
           <a:lstStyle/>
           <a:p>
-            <a:r>
-              <a:rPr lang="en-US" sz="2000" dirty="0" smtClean="0"/>
-              <a:t>To select the immediate children of an element use the &gt; operator. The following example will select the li children of </a:t>
-            </a:r>
-            <a:r>
-              <a:rPr lang="en-US" sz="2000" dirty="0" err="1" smtClean="0"/>
-              <a:t>ul</a:t>
-            </a:r>
-            <a:r>
-              <a:rPr lang="en-US" sz="2000" dirty="0" smtClean="0"/>
-              <a:t>. It will not select grandchildren. This is very important when you have many layers of nested elements.</a:t>
-            </a:r>
-          </a:p>
-          <a:p>
-            <a:pPr marL="324000" lvl="1" indent="0">
+            <a:pPr marL="0" indent="0">
               <a:buNone/>
             </a:pPr>
             <a:r>
-              <a:rPr lang="en-US" sz="2000" dirty="0" smtClean="0"/>
-              <a:t>		</a:t>
-            </a:r>
-            <a:r>
-              <a:rPr lang="en-US" sz="2000" dirty="0" err="1" smtClean="0"/>
-              <a:t>ui</a:t>
-            </a:r>
-            <a:r>
-              <a:rPr lang="en-US" sz="2000" dirty="0" smtClean="0"/>
-              <a:t> &gt; li</a:t>
-            </a:r>
-          </a:p>
-          <a:p>
-            <a:pPr marL="324000" lvl="1" indent="0">
+              <a:rPr lang="en-US" dirty="0" smtClean="0"/>
+              <a:t>Attributes of parent elements are often, not always, inherited by children.</a:t>
+            </a:r>
+          </a:p>
+          <a:p>
+            <a:pPr marL="0" indent="0">
               <a:buNone/>
             </a:pPr>
-            <a:endParaRPr lang="en-US" sz="2000" dirty="0"/>
-          </a:p>
-          <a:p>
-            <a:pPr marL="324000" lvl="1" indent="0">
-              <a:buNone/>
-            </a:pPr>
-            <a:endParaRPr lang="en-US" sz="2000" dirty="0" smtClean="0"/>
-          </a:p>
-          <a:p>
-            <a:pPr marL="324000" lvl="1" indent="0">
-              <a:buNone/>
-            </a:pPr>
-            <a:endParaRPr lang="en-US" sz="2000" dirty="0"/>
-          </a:p>
-          <a:p>
-            <a:pPr marL="324000" lvl="1" indent="0">
-              <a:buNone/>
-            </a:pPr>
-            <a:endParaRPr lang="en-US" sz="2000" dirty="0"/>
+            <a:endParaRPr lang="en-US" dirty="0"/>
           </a:p>
         </p:txBody>
       </p:sp>
     </p:spTree>
     <p:extLst>
       <p:ext uri="{BB962C8B-B14F-4D97-AF65-F5344CB8AC3E}">
-        <p14:creationId xmlns:p14="http://schemas.microsoft.com/office/powerpoint/2010/main" val="4021640170"/>
+        <p14:creationId xmlns:p14="http://schemas.microsoft.com/office/powerpoint/2010/main" val="1254175810"/>
       </p:ext>
     </p:extLst>
   </p:cSld>
@@ -4439,7 +4590,7 @@
           <a:p>
             <a:r>
               <a:rPr lang="en-US" dirty="0" smtClean="0"/>
-              <a:t>Cascading: resolution of conflicts</a:t>
+              <a:t>Cascading: selecting immediate children</a:t>
             </a:r>
             <a:endParaRPr lang="en-US" dirty="0"/>
           </a:p>
@@ -4457,66 +4608,71 @@
         </p:nvSpPr>
         <p:spPr/>
         <p:txBody>
-          <a:bodyPr/>
+          <a:bodyPr>
+            <a:normAutofit/>
+          </a:bodyPr>
           <a:lstStyle/>
           <a:p>
             <a:r>
               <a:rPr lang="en-US" sz="2000" dirty="0" smtClean="0"/>
-              <a:t>General to specific</a:t>
-            </a:r>
-          </a:p>
-          <a:p>
-            <a:pPr lvl="1"/>
+              <a:t>To select the immediate children of an element use the &gt; operator. The following example will select the li children of </a:t>
+            </a:r>
+            <a:r>
+              <a:rPr lang="en-US" sz="2000" dirty="0" err="1" smtClean="0"/>
+              <a:t>ul</a:t>
+            </a:r>
             <a:r>
               <a:rPr lang="en-US" sz="2000" dirty="0" smtClean="0"/>
-              <a:t>Elements are most general</a:t>
-            </a:r>
-          </a:p>
-          <a:p>
-            <a:pPr lvl="1"/>
+              <a:t>. It will not select grandchildren. This is very important when you have many layers of nested elements.</a:t>
+            </a:r>
+          </a:p>
+          <a:p>
+            <a:pPr marL="324000" lvl="1" indent="0">
+              <a:buNone/>
+            </a:pPr>
             <a:r>
               <a:rPr lang="en-US" sz="2000" dirty="0" smtClean="0"/>
-              <a:t>Classes are the next most detailed</a:t>
-            </a:r>
-          </a:p>
-          <a:p>
-            <a:pPr lvl="1"/>
+              <a:t>		</a:t>
+            </a:r>
+            <a:r>
+              <a:rPr lang="en-US" sz="2000" dirty="0" err="1" smtClean="0"/>
+              <a:t>ui</a:t>
+            </a:r>
             <a:r>
               <a:rPr lang="en-US" sz="2000" dirty="0" smtClean="0"/>
-              <a:t>Ids are the most </a:t>
-            </a:r>
-            <a:r>
-              <a:rPr lang="en-US" sz="2000" dirty="0" err="1" smtClean="0"/>
-              <a:t>specifc</a:t>
-            </a:r>
+              <a:t> &gt; li</a:t>
+            </a:r>
+          </a:p>
+          <a:p>
+            <a:pPr marL="324000" lvl="1" indent="0">
+              <a:buNone/>
+            </a:pPr>
+            <a:endParaRPr lang="en-US" sz="2000" dirty="0"/>
+          </a:p>
+          <a:p>
+            <a:pPr marL="324000" lvl="1" indent="0">
+              <a:buNone/>
+            </a:pPr>
             <a:endParaRPr lang="en-US" sz="2000" dirty="0" smtClean="0"/>
           </a:p>
           <a:p>
-            <a:pPr lvl="1"/>
-            <a:endParaRPr lang="en-US" dirty="0"/>
-          </a:p>
-          <a:p>
-            <a:pPr lvl="1"/>
-            <a:endParaRPr lang="en-US" dirty="0" smtClean="0"/>
-          </a:p>
-          <a:p>
-            <a:pPr lvl="1"/>
-            <a:endParaRPr lang="en-US" dirty="0" smtClean="0"/>
-          </a:p>
-          <a:p>
-            <a:pPr lvl="1"/>
-            <a:endParaRPr lang="en-US" dirty="0" smtClean="0"/>
-          </a:p>
-          <a:p>
-            <a:pPr lvl="1"/>
-            <a:endParaRPr lang="en-US" dirty="0"/>
+            <a:pPr marL="324000" lvl="1" indent="0">
+              <a:buNone/>
+            </a:pPr>
+            <a:endParaRPr lang="en-US" sz="2000" dirty="0"/>
+          </a:p>
+          <a:p>
+            <a:pPr marL="324000" lvl="1" indent="0">
+              <a:buNone/>
+            </a:pPr>
+            <a:endParaRPr lang="en-US" sz="2000" dirty="0"/>
           </a:p>
         </p:txBody>
       </p:sp>
     </p:spTree>
     <p:extLst>
       <p:ext uri="{BB962C8B-B14F-4D97-AF65-F5344CB8AC3E}">
-        <p14:creationId xmlns:p14="http://schemas.microsoft.com/office/powerpoint/2010/main" val="162124985"/>
+        <p14:creationId xmlns:p14="http://schemas.microsoft.com/office/powerpoint/2010/main" val="4021640170"/>
       </p:ext>
     </p:extLst>
   </p:cSld>
@@ -4567,7 +4723,7 @@
           <a:p>
             <a:r>
               <a:rPr lang="en-US" dirty="0" smtClean="0"/>
-              <a:t>Display; Block, Inline, None</a:t>
+              <a:t>Cascading: resolution of conflicts</a:t>
             </a:r>
             <a:endParaRPr lang="en-US" dirty="0"/>
           </a:p>
@@ -4583,51 +4739,68 @@
             <p:ph idx="1"/>
           </p:nvPr>
         </p:nvSpPr>
-        <p:spPr>
-          <a:xfrm>
-            <a:off x="581192" y="2180496"/>
-            <a:ext cx="8977335" cy="3678303"/>
-          </a:xfrm>
-        </p:spPr>
+        <p:spPr/>
         <p:txBody>
           <a:bodyPr/>
           <a:lstStyle/>
           <a:p>
             <a:r>
               <a:rPr lang="en-US" sz="2000" dirty="0" smtClean="0"/>
-              <a:t>Block elements have a line feed before and after, inline elements do not.  </a:t>
-            </a:r>
-          </a:p>
-          <a:p>
+              <a:t>General to specific</a:t>
+            </a:r>
+          </a:p>
+          <a:p>
+            <a:pPr lvl="1"/>
             <a:r>
               <a:rPr lang="en-US" sz="2000" dirty="0" smtClean="0"/>
-              <a:t>Block elements have a height property</a:t>
-            </a:r>
-          </a:p>
-          <a:p>
+              <a:t>Elements are most general</a:t>
+            </a:r>
+          </a:p>
+          <a:p>
+            <a:pPr lvl="1"/>
             <a:r>
               <a:rPr lang="en-US" sz="2000" dirty="0" smtClean="0"/>
-              <a:t>Inline elements have a line-height property, they do not have a width property</a:t>
-            </a:r>
-          </a:p>
-          <a:p>
-            <a:endParaRPr lang="en-US" dirty="0"/>
-          </a:p>
-          <a:p>
+              <a:t>Classes are the next most detailed</a:t>
+            </a:r>
+          </a:p>
+          <a:p>
+            <a:pPr lvl="1"/>
+            <a:r>
+              <a:rPr lang="en-US" sz="2000" dirty="0" smtClean="0"/>
+              <a:t>Ids are the most </a:t>
+            </a:r>
+            <a:r>
+              <a:rPr lang="en-US" sz="2000" dirty="0" smtClean="0"/>
+              <a:t>specific</a:t>
+            </a:r>
+            <a:endParaRPr lang="en-US" sz="2000" dirty="0" smtClean="0"/>
+          </a:p>
+          <a:p>
+            <a:pPr lvl="1"/>
+            <a:endParaRPr lang="en-US" dirty="0"/>
+          </a:p>
+          <a:p>
+            <a:pPr lvl="1"/>
             <a:endParaRPr lang="en-US" dirty="0" smtClean="0"/>
           </a:p>
           <a:p>
-            <a:endParaRPr lang="en-US" dirty="0"/>
-          </a:p>
-          <a:p>
+            <a:pPr lvl="1"/>
             <a:endParaRPr lang="en-US" dirty="0" smtClean="0"/>
+          </a:p>
+          <a:p>
+            <a:pPr lvl="1"/>
+            <a:endParaRPr lang="en-US" dirty="0" smtClean="0"/>
+          </a:p>
+          <a:p>
+            <a:pPr lvl="1"/>
+            <a:endParaRPr lang="en-US" dirty="0"/>
           </a:p>
         </p:txBody>
       </p:sp>
     </p:spTree>
     <p:extLst>
       <p:ext uri="{BB962C8B-B14F-4D97-AF65-F5344CB8AC3E}">
-        <p14:creationId xmlns:p14="http://schemas.microsoft.com/office/powerpoint/2010/main" val="2973130354"/>
+        <p14:creationId xmlns:p14="http://schemas.microsoft.com/office/powerpoint/2010/main" val="162124985"/>
       </p:ext>
     </p:extLst>
   </p:cSld>
@@ -4678,7 +4851,7 @@
           <a:p>
             <a:r>
               <a:rPr lang="en-US" dirty="0" smtClean="0"/>
-              <a:t>Inline elements</a:t>
+              <a:t>Display; Block, Inline, None</a:t>
             </a:r>
             <a:endParaRPr lang="en-US" dirty="0"/>
           </a:p>
@@ -4694,151 +4867,51 @@
             <p:ph idx="1"/>
           </p:nvPr>
         </p:nvSpPr>
-        <p:spPr/>
+        <p:spPr>
+          <a:xfrm>
+            <a:off x="581192" y="2180496"/>
+            <a:ext cx="8977335" cy="3678303"/>
+          </a:xfrm>
+        </p:spPr>
         <p:txBody>
           <a:bodyPr/>
           <a:lstStyle/>
           <a:p>
             <a:r>
-              <a:rPr lang="en-US" sz="2800" dirty="0"/>
-              <a:t>&lt;</a:t>
-            </a:r>
-            <a:r>
-              <a:rPr lang="en-US" sz="2800" dirty="0" err="1"/>
-              <a:t>abbr</a:t>
-            </a:r>
-            <a:r>
-              <a:rPr lang="en-US" sz="2800" dirty="0" smtClean="0"/>
-              <a:t>&gt;,</a:t>
-            </a:r>
-            <a:r>
-              <a:rPr lang="en-US" sz="2800" dirty="0"/>
-              <a:t> &lt;</a:t>
-            </a:r>
-            <a:r>
-              <a:rPr lang="en-US" sz="2800" dirty="0" smtClean="0"/>
-              <a:t>acronym&gt;,&lt;</a:t>
-            </a:r>
-            <a:r>
-              <a:rPr lang="en-US" sz="2800" dirty="0"/>
-              <a:t>b&gt;, &lt;big&gt;, &lt;button</a:t>
-            </a:r>
-            <a:r>
-              <a:rPr lang="en-US" sz="2800" dirty="0" smtClean="0"/>
-              <a:t>&gt; &lt;</a:t>
-            </a:r>
-            <a:r>
-              <a:rPr lang="en-US" sz="2800" dirty="0" err="1"/>
-              <a:t>i</a:t>
-            </a:r>
-            <a:r>
-              <a:rPr lang="en-US" sz="2800" dirty="0"/>
-              <a:t>&gt;, </a:t>
-            </a:r>
-            <a:r>
-              <a:rPr lang="en-US" sz="2800" dirty="0" smtClean="0"/>
-              <a:t>&lt;</a:t>
-            </a:r>
-            <a:r>
-              <a:rPr lang="en-US" sz="2800" dirty="0" err="1"/>
-              <a:t>tt</a:t>
-            </a:r>
-            <a:r>
-              <a:rPr lang="en-US" sz="2800" dirty="0" smtClean="0"/>
-              <a:t>&gt;,&lt;</a:t>
-            </a:r>
-            <a:r>
-              <a:rPr lang="en-US" sz="2800" dirty="0"/>
-              <a:t>cite&gt;,&lt;code</a:t>
-            </a:r>
-            <a:r>
-              <a:rPr lang="en-US" sz="2800" dirty="0" smtClean="0"/>
-              <a:t>&gt;, </a:t>
-            </a:r>
-            <a:r>
-              <a:rPr lang="en-US" sz="2800" dirty="0"/>
-              <a:t>&lt;input&gt;, &lt;label&gt;, </a:t>
-            </a:r>
-            <a:r>
-              <a:rPr lang="en-US" sz="2800" dirty="0" smtClean="0"/>
-              <a:t>&lt;</a:t>
-            </a:r>
-            <a:r>
-              <a:rPr lang="en-US" sz="2800" dirty="0"/>
-              <a:t>script</a:t>
-            </a:r>
-            <a:r>
-              <a:rPr lang="en-US" sz="2800" dirty="0" smtClean="0"/>
-              <a:t>&gt;,</a:t>
-            </a:r>
-            <a:r>
-              <a:rPr lang="en-US" sz="2800" dirty="0"/>
-              <a:t> &lt;select&gt;, &lt;small&gt;,</a:t>
-            </a:r>
-            <a:r>
-              <a:rPr lang="en-US" sz="2800" dirty="0" smtClean="0"/>
-              <a:t>&lt;</a:t>
-            </a:r>
-            <a:r>
-              <a:rPr lang="en-US" sz="2800" dirty="0"/>
-              <a:t>span&gt;,&lt;sub&gt;,&lt;sup&gt;&lt;</a:t>
-            </a:r>
-            <a:r>
-              <a:rPr lang="en-US" sz="2800" dirty="0" err="1"/>
-              <a:t>textarea</a:t>
-            </a:r>
-            <a:r>
-              <a:rPr lang="en-US" sz="2800" dirty="0"/>
-              <a:t>&gt;</a:t>
-            </a:r>
-          </a:p>
-          <a:p>
-            <a:pPr marL="630000" lvl="2" indent="0">
-              <a:buNone/>
-            </a:pPr>
-            <a:endParaRPr lang="en-US" sz="2800" dirty="0"/>
-          </a:p>
-          <a:p>
-            <a:pPr marL="630000" lvl="2" indent="0">
-              <a:buNone/>
-            </a:pPr>
-            <a:r>
-              <a:rPr lang="en-US" sz="2800" dirty="0" smtClean="0"/>
-              <a:t>See </a:t>
-            </a:r>
-            <a:r>
-              <a:rPr lang="en-US" sz="2400" dirty="0" smtClean="0">
-                <a:hlinkClick r:id="rId2"/>
-              </a:rPr>
-              <a:t>https</a:t>
-            </a:r>
-            <a:r>
-              <a:rPr lang="en-US" sz="2400" dirty="0">
-                <a:hlinkClick r:id="rId2"/>
-              </a:rPr>
-              <a:t>://</a:t>
-            </a:r>
-            <a:r>
-              <a:rPr lang="en-US" sz="2400" dirty="0" smtClean="0">
-                <a:hlinkClick r:id="rId2"/>
-              </a:rPr>
-              <a:t>developer.mozilla.org/en-US/docs/Web/HTML/Inline_elemente</a:t>
-            </a:r>
-            <a:r>
-              <a:rPr lang="en-US" sz="2400" dirty="0" smtClean="0"/>
-              <a:t> for details.</a:t>
-            </a:r>
-            <a:endParaRPr lang="en-US" sz="2400" dirty="0"/>
-          </a:p>
-          <a:p>
-            <a:endParaRPr lang="en-US" dirty="0"/>
+              <a:rPr lang="en-US" sz="2000" dirty="0" smtClean="0"/>
+              <a:t>Block elements have a line feed before and after, inline elements do not.  </a:t>
+            </a:r>
+          </a:p>
+          <a:p>
+            <a:r>
+              <a:rPr lang="en-US" sz="2000" dirty="0" smtClean="0"/>
+              <a:t>Block elements have a height property</a:t>
+            </a:r>
+          </a:p>
+          <a:p>
+            <a:r>
+              <a:rPr lang="en-US" sz="2000" dirty="0" smtClean="0"/>
+              <a:t>Inline elements have a line-height property, they do not have a width property</a:t>
+            </a:r>
+          </a:p>
+          <a:p>
+            <a:endParaRPr lang="en-US" dirty="0"/>
+          </a:p>
+          <a:p>
+            <a:endParaRPr lang="en-US" dirty="0" smtClean="0"/>
+          </a:p>
+          <a:p>
+            <a:endParaRPr lang="en-US" dirty="0"/>
+          </a:p>
+          <a:p>
+            <a:endParaRPr lang="en-US" dirty="0" smtClean="0"/>
           </a:p>
         </p:txBody>
       </p:sp>
     </p:spTree>
     <p:extLst>
       <p:ext uri="{BB962C8B-B14F-4D97-AF65-F5344CB8AC3E}">
-        <p14:creationId xmlns:p14="http://schemas.microsoft.com/office/powerpoint/2010/main" val="2293176512"/>
+        <p14:creationId xmlns:p14="http://schemas.microsoft.com/office/powerpoint/2010/main" val="2973130354"/>
       </p:ext>
     </p:extLst>
   </p:cSld>
@@ -4889,6 +4962,237 @@
           <a:p>
             <a:r>
               <a:rPr lang="en-US" dirty="0" smtClean="0"/>
+              <a:t>Inline elements</a:t>
+            </a:r>
+            <a:endParaRPr lang="en-US" dirty="0"/>
+          </a:p>
+        </p:txBody>
+      </p:sp>
+      <p:sp>
+        <p:nvSpPr>
+          <p:cNvPr id="3" name="Content Placeholder 2"/>
+          <p:cNvSpPr>
+            <a:spLocks noGrp="1"/>
+          </p:cNvSpPr>
+          <p:nvPr>
+            <p:ph idx="1"/>
+          </p:nvPr>
+        </p:nvSpPr>
+        <p:spPr/>
+        <p:txBody>
+          <a:bodyPr/>
+          <a:lstStyle/>
+          <a:p>
+            <a:pPr marL="0" indent="0">
+              <a:buNone/>
+            </a:pPr>
+            <a:r>
+              <a:rPr lang="en-US" sz="2800" dirty="0"/>
+              <a:t>&lt;</a:t>
+            </a:r>
+            <a:r>
+              <a:rPr lang="en-US" sz="2800" dirty="0" err="1"/>
+              <a:t>abbr</a:t>
+            </a:r>
+            <a:r>
+              <a:rPr lang="en-US" sz="2800" dirty="0" smtClean="0"/>
+              <a:t>&gt;,</a:t>
+            </a:r>
+            <a:r>
+              <a:rPr lang="en-US" sz="2800" dirty="0"/>
+              <a:t> &lt;</a:t>
+            </a:r>
+            <a:r>
+              <a:rPr lang="en-US" sz="2800" dirty="0" smtClean="0"/>
+              <a:t>acronym&gt;,&lt;</a:t>
+            </a:r>
+            <a:r>
+              <a:rPr lang="en-US" sz="2800" dirty="0"/>
+              <a:t>b&gt;, &lt;big&gt;, &lt;button</a:t>
+            </a:r>
+            <a:r>
+              <a:rPr lang="en-US" sz="2800" dirty="0" smtClean="0"/>
+              <a:t>&gt; &lt;</a:t>
+            </a:r>
+            <a:r>
+              <a:rPr lang="en-US" sz="2800" dirty="0" err="1"/>
+              <a:t>i</a:t>
+            </a:r>
+            <a:r>
+              <a:rPr lang="en-US" sz="2800" dirty="0"/>
+              <a:t>&gt;, </a:t>
+            </a:r>
+            <a:r>
+              <a:rPr lang="en-US" sz="2800" dirty="0" smtClean="0"/>
+              <a:t>&lt;</a:t>
+            </a:r>
+            <a:r>
+              <a:rPr lang="en-US" sz="2800" dirty="0" err="1"/>
+              <a:t>tt</a:t>
+            </a:r>
+            <a:r>
+              <a:rPr lang="en-US" sz="2800" dirty="0" smtClean="0"/>
+              <a:t>&gt;,&lt;</a:t>
+            </a:r>
+            <a:r>
+              <a:rPr lang="en-US" sz="2800" dirty="0"/>
+              <a:t>cite&gt;</a:t>
+            </a:r>
+            <a:r>
+              <a:rPr lang="en-US" sz="2800" dirty="0" smtClean="0"/>
+              <a:t>,</a:t>
+            </a:r>
+          </a:p>
+          <a:p>
+            <a:pPr marL="0" indent="0">
+              <a:buNone/>
+            </a:pPr>
+            <a:r>
+              <a:rPr lang="en-US" sz="2800" dirty="0" smtClean="0"/>
+              <a:t>&lt;</a:t>
+            </a:r>
+            <a:r>
+              <a:rPr lang="en-US" sz="2800" dirty="0"/>
+              <a:t>code</a:t>
+            </a:r>
+            <a:r>
+              <a:rPr lang="en-US" sz="2800" dirty="0" smtClean="0"/>
+              <a:t>&gt;, </a:t>
+            </a:r>
+            <a:r>
+              <a:rPr lang="en-US" sz="2800" dirty="0"/>
+              <a:t>&lt;input&gt;, &lt;label&gt;, </a:t>
+            </a:r>
+            <a:r>
+              <a:rPr lang="en-US" sz="2800" dirty="0" smtClean="0"/>
+              <a:t>&lt;</a:t>
+            </a:r>
+            <a:r>
+              <a:rPr lang="en-US" sz="2800" dirty="0"/>
+              <a:t>script</a:t>
+            </a:r>
+            <a:r>
+              <a:rPr lang="en-US" sz="2800" dirty="0" smtClean="0"/>
+              <a:t>&gt;,</a:t>
+            </a:r>
+            <a:r>
+              <a:rPr lang="en-US" sz="2800" dirty="0"/>
+              <a:t> &lt;select&gt;, &lt;small&gt;,</a:t>
+            </a:r>
+            <a:r>
+              <a:rPr lang="en-US" sz="2800" dirty="0" smtClean="0"/>
+              <a:t>&lt;</a:t>
+            </a:r>
+            <a:r>
+              <a:rPr lang="en-US" sz="2800" dirty="0"/>
+              <a:t>span&gt;,&lt;sub&gt;,&lt;sup&gt;&lt;</a:t>
+            </a:r>
+            <a:r>
+              <a:rPr lang="en-US" sz="2800" dirty="0" err="1"/>
+              <a:t>textarea</a:t>
+            </a:r>
+            <a:r>
+              <a:rPr lang="en-US" sz="2800" dirty="0"/>
+              <a:t>&gt;</a:t>
+            </a:r>
+          </a:p>
+          <a:p>
+            <a:pPr marL="630000" lvl="2" indent="0">
+              <a:buNone/>
+            </a:pPr>
+            <a:endParaRPr lang="en-US" sz="2800" dirty="0"/>
+          </a:p>
+          <a:p>
+            <a:pPr marL="630000" lvl="2" indent="0">
+              <a:buNone/>
+            </a:pPr>
+            <a:r>
+              <a:rPr lang="en-US" sz="2800" dirty="0" smtClean="0"/>
+              <a:t>See </a:t>
+            </a:r>
+            <a:r>
+              <a:rPr lang="en-US" sz="2400" dirty="0" smtClean="0">
+                <a:hlinkClick r:id="rId2"/>
+              </a:rPr>
+              <a:t>https</a:t>
+            </a:r>
+            <a:r>
+              <a:rPr lang="en-US" sz="2400" dirty="0">
+                <a:hlinkClick r:id="rId2"/>
+              </a:rPr>
+              <a:t>://</a:t>
+            </a:r>
+            <a:r>
+              <a:rPr lang="en-US" sz="2400" dirty="0" smtClean="0">
+                <a:hlinkClick r:id="rId2"/>
+              </a:rPr>
+              <a:t>developer.mozilla.org/en-US/docs/Web/HTML/Inline_elemente</a:t>
+            </a:r>
+            <a:r>
+              <a:rPr lang="en-US" sz="2400" dirty="0" smtClean="0"/>
+              <a:t> for details.</a:t>
+            </a:r>
+            <a:endParaRPr lang="en-US" sz="2400" dirty="0"/>
+          </a:p>
+          <a:p>
+            <a:endParaRPr lang="en-US" dirty="0"/>
+          </a:p>
+        </p:txBody>
+      </p:sp>
+    </p:spTree>
+    <p:extLst>
+      <p:ext uri="{BB962C8B-B14F-4D97-AF65-F5344CB8AC3E}">
+        <p14:creationId xmlns:p14="http://schemas.microsoft.com/office/powerpoint/2010/main" val="2293176512"/>
+      </p:ext>
+    </p:extLst>
+  </p:cSld>
+  <p:clrMapOvr>
+    <a:masterClrMapping/>
+  </p:clrMapOvr>
+  <p:timing>
+    <p:tnLst>
+      <p:par>
+        <p:cTn xmlns:p14="http://schemas.microsoft.com/office/powerpoint/2010/main" id="1" dur="indefinite" restart="never" nodeType="tmRoot"/>
+      </p:par>
+    </p:tnLst>
+  </p:timing>
+</p:sld>
+</file>
+
+<file path=ppt/slides/slide18.xml><?xml version="1.0" encoding="utf-8"?>
+<p:sld xmlns:a="http://schemas.openxmlformats.org/drawingml/2006/main" xmlns:r="http://schemas.openxmlformats.org/officeDocument/2006/relationships" xmlns:p="http://schemas.openxmlformats.org/presentationml/2006/main">
+  <p:cSld>
+    <p:spTree>
+      <p:nvGrpSpPr>
+        <p:cNvPr id="1" name=""/>
+        <p:cNvGrpSpPr/>
+        <p:nvPr/>
+      </p:nvGrpSpPr>
+      <p:grpSpPr>
+        <a:xfrm>
+          <a:off x="0" y="0"/>
+          <a:ext cx="0" cy="0"/>
+          <a:chOff x="0" y="0"/>
+          <a:chExt cx="0" cy="0"/>
+        </a:xfrm>
+      </p:grpSpPr>
+      <p:sp>
+        <p:nvSpPr>
+          <p:cNvPr id="2" name="Title 1"/>
+          <p:cNvSpPr>
+            <a:spLocks noGrp="1"/>
+          </p:cNvSpPr>
+          <p:nvPr>
+            <p:ph type="title"/>
+          </p:nvPr>
+        </p:nvSpPr>
+        <p:spPr/>
+        <p:txBody>
+          <a:bodyPr/>
+          <a:lstStyle/>
+          <a:p>
+            <a:r>
+              <a:rPr lang="en-US" dirty="0" smtClean="0"/>
               <a:t>Block elements</a:t>
             </a:r>
             <a:endParaRPr lang="en-US" dirty="0"/>
@@ -5143,7 +5447,943 @@
 </p:sld>
 </file>
 
-<file path=ppt/slides/slide18.xml><?xml version="1.0" encoding="utf-8"?>
+<file path=ppt/slides/slide19.xml><?xml version="1.0" encoding="utf-8"?>
+<p:sld xmlns:a="http://schemas.openxmlformats.org/drawingml/2006/main" xmlns:r="http://schemas.openxmlformats.org/officeDocument/2006/relationships" xmlns:p="http://schemas.openxmlformats.org/presentationml/2006/main">
+  <p:cSld>
+    <p:spTree>
+      <p:nvGrpSpPr>
+        <p:cNvPr id="1" name=""/>
+        <p:cNvGrpSpPr/>
+        <p:nvPr/>
+      </p:nvGrpSpPr>
+      <p:grpSpPr>
+        <a:xfrm>
+          <a:off x="0" y="0"/>
+          <a:ext cx="0" cy="0"/>
+          <a:chOff x="0" y="0"/>
+          <a:chExt cx="0" cy="0"/>
+        </a:xfrm>
+      </p:grpSpPr>
+      <p:sp>
+        <p:nvSpPr>
+          <p:cNvPr id="2" name="Title 1"/>
+          <p:cNvSpPr>
+            <a:spLocks noGrp="1"/>
+          </p:cNvSpPr>
+          <p:nvPr>
+            <p:ph type="title"/>
+          </p:nvPr>
+        </p:nvSpPr>
+        <p:spPr/>
+        <p:txBody>
+          <a:bodyPr/>
+          <a:lstStyle/>
+          <a:p>
+            <a:r>
+              <a:rPr lang="en-US" dirty="0" smtClean="0"/>
+              <a:t>Inline versus block example</a:t>
+            </a:r>
+            <a:endParaRPr lang="en-US" dirty="0"/>
+          </a:p>
+        </p:txBody>
+      </p:sp>
+      <p:sp>
+        <p:nvSpPr>
+          <p:cNvPr id="3" name="Content Placeholder 2"/>
+          <p:cNvSpPr>
+            <a:spLocks noGrp="1"/>
+          </p:cNvSpPr>
+          <p:nvPr>
+            <p:ph idx="1"/>
+          </p:nvPr>
+        </p:nvSpPr>
+        <p:spPr/>
+        <p:txBody>
+          <a:bodyPr/>
+          <a:lstStyle/>
+          <a:p>
+            <a:r>
+              <a:rPr lang="en-US" dirty="0" err="1" smtClean="0"/>
+              <a:t>inline_versus_block_example.html</a:t>
+            </a:r>
+            <a:endParaRPr lang="en-US" dirty="0" smtClean="0"/>
+          </a:p>
+          <a:p>
+            <a:endParaRPr lang="en-US" dirty="0"/>
+          </a:p>
+        </p:txBody>
+      </p:sp>
+    </p:spTree>
+    <p:extLst>
+      <p:ext uri="{BB962C8B-B14F-4D97-AF65-F5344CB8AC3E}">
+        <p14:creationId xmlns:p14="http://schemas.microsoft.com/office/powerpoint/2010/main" val="1073289839"/>
+      </p:ext>
+    </p:extLst>
+  </p:cSld>
+  <p:clrMapOvr>
+    <a:masterClrMapping/>
+  </p:clrMapOvr>
+</p:sld>
+</file>
+
+<file path=ppt/slides/slide2.xml><?xml version="1.0" encoding="utf-8"?>
+<p:sld xmlns:a="http://schemas.openxmlformats.org/drawingml/2006/main" xmlns:r="http://schemas.openxmlformats.org/officeDocument/2006/relationships" xmlns:p="http://schemas.openxmlformats.org/presentationml/2006/main">
+  <p:cSld>
+    <p:spTree>
+      <p:nvGrpSpPr>
+        <p:cNvPr id="1" name=""/>
+        <p:cNvGrpSpPr/>
+        <p:nvPr/>
+      </p:nvGrpSpPr>
+      <p:grpSpPr>
+        <a:xfrm>
+          <a:off x="0" y="0"/>
+          <a:ext cx="0" cy="0"/>
+          <a:chOff x="0" y="0"/>
+          <a:chExt cx="0" cy="0"/>
+        </a:xfrm>
+      </p:grpSpPr>
+      <p:sp>
+        <p:nvSpPr>
+          <p:cNvPr id="2" name="Title 1"/>
+          <p:cNvSpPr>
+            <a:spLocks noGrp="1"/>
+          </p:cNvSpPr>
+          <p:nvPr>
+            <p:ph type="title"/>
+          </p:nvPr>
+        </p:nvSpPr>
+        <p:spPr/>
+        <p:txBody>
+          <a:bodyPr/>
+          <a:lstStyle/>
+          <a:p>
+            <a:r>
+              <a:rPr lang="en-US" dirty="0" smtClean="0"/>
+              <a:t>Web sites typically have three tiers</a:t>
+            </a:r>
+            <a:endParaRPr lang="en-US" dirty="0"/>
+          </a:p>
+        </p:txBody>
+      </p:sp>
+      <p:sp>
+        <p:nvSpPr>
+          <p:cNvPr id="3" name="Content Placeholder 2"/>
+          <p:cNvSpPr>
+            <a:spLocks noGrp="1"/>
+          </p:cNvSpPr>
+          <p:nvPr>
+            <p:ph idx="1"/>
+          </p:nvPr>
+        </p:nvSpPr>
+        <p:spPr>
+          <a:xfrm>
+            <a:off x="482337" y="1999264"/>
+            <a:ext cx="11029615" cy="982834"/>
+          </a:xfrm>
+        </p:spPr>
+        <p:txBody>
+          <a:bodyPr>
+            <a:normAutofit fontScale="85000" lnSpcReduction="20000"/>
+          </a:bodyPr>
+          <a:lstStyle/>
+          <a:p>
+            <a:r>
+              <a:rPr lang="en-US" dirty="0" smtClean="0"/>
+              <a:t>Front end</a:t>
+            </a:r>
+          </a:p>
+          <a:p>
+            <a:pPr lvl="1"/>
+            <a:r>
+              <a:rPr lang="en-US" dirty="0" smtClean="0"/>
+              <a:t>Web browser</a:t>
+            </a:r>
+          </a:p>
+          <a:p>
+            <a:pPr lvl="1"/>
+            <a:r>
+              <a:rPr lang="en-US" dirty="0" smtClean="0"/>
+              <a:t>Scripting languages, particularly </a:t>
+            </a:r>
+            <a:r>
+              <a:rPr lang="en-US" dirty="0" err="1" smtClean="0"/>
+              <a:t>javascript</a:t>
+            </a:r>
+            <a:r>
+              <a:rPr lang="en-US" dirty="0" smtClean="0"/>
+              <a:t> (ECMA script)</a:t>
+            </a:r>
+          </a:p>
+          <a:p>
+            <a:pPr lvl="1"/>
+            <a:endParaRPr lang="en-US" dirty="0" smtClean="0"/>
+          </a:p>
+        </p:txBody>
+      </p:sp>
+      <p:sp>
+        <p:nvSpPr>
+          <p:cNvPr id="4" name="Content Placeholder 2"/>
+          <p:cNvSpPr txBox="1">
+            <a:spLocks/>
+          </p:cNvSpPr>
+          <p:nvPr/>
+        </p:nvSpPr>
+        <p:spPr>
+          <a:xfrm>
+            <a:off x="408197" y="3041350"/>
+            <a:ext cx="11029615" cy="982834"/>
+          </a:xfrm>
+          <a:prstGeom prst="rect">
+            <a:avLst/>
+          </a:prstGeom>
+        </p:spPr>
+        <p:txBody>
+          <a:bodyPr vert="horz" lIns="91440" tIns="45720" rIns="91440" bIns="45720" rtlCol="0" anchor="ctr">
+            <a:normAutofit/>
+          </a:bodyPr>
+          <a:lstStyle>
+            <a:lvl1pPr marL="306000" indent="-306000" algn="l" defTabSz="457200" rtl="0" eaLnBrk="1" latinLnBrk="0" hangingPunct="1">
+              <a:spcBef>
+                <a:spcPct val="20000"/>
+              </a:spcBef>
+              <a:spcAft>
+                <a:spcPts val="600"/>
+              </a:spcAft>
+              <a:buClr>
+                <a:schemeClr val="accent2"/>
+              </a:buClr>
+              <a:buSzPct val="92000"/>
+              <a:buFont typeface="Wingdings 2" panose="05020102010507070707" pitchFamily="18" charset="2"/>
+              <a:buChar char=""/>
+              <a:defRPr sz="1800" kern="1200">
+                <a:solidFill>
+                  <a:schemeClr val="tx2"/>
+                </a:solidFill>
+                <a:latin typeface="+mn-lt"/>
+                <a:ea typeface="+mn-ea"/>
+                <a:cs typeface="+mn-cs"/>
+              </a:defRPr>
+            </a:lvl1pPr>
+            <a:lvl2pPr marL="630000" indent="-306000" algn="l" defTabSz="457200" rtl="0" eaLnBrk="1" latinLnBrk="0" hangingPunct="1">
+              <a:spcBef>
+                <a:spcPct val="20000"/>
+              </a:spcBef>
+              <a:spcAft>
+                <a:spcPts val="600"/>
+              </a:spcAft>
+              <a:buClr>
+                <a:schemeClr val="accent2"/>
+              </a:buClr>
+              <a:buSzPct val="92000"/>
+              <a:buFont typeface="Wingdings 2" panose="05020102010507070707" pitchFamily="18" charset="2"/>
+              <a:buChar char=""/>
+              <a:defRPr sz="1600" kern="1200">
+                <a:solidFill>
+                  <a:schemeClr val="tx2"/>
+                </a:solidFill>
+                <a:latin typeface="+mn-lt"/>
+                <a:ea typeface="+mn-ea"/>
+                <a:cs typeface="+mn-cs"/>
+              </a:defRPr>
+            </a:lvl2pPr>
+            <a:lvl3pPr marL="900000" indent="-270000" algn="l" defTabSz="457200" rtl="0" eaLnBrk="1" latinLnBrk="0" hangingPunct="1">
+              <a:spcBef>
+                <a:spcPct val="20000"/>
+              </a:spcBef>
+              <a:spcAft>
+                <a:spcPts val="600"/>
+              </a:spcAft>
+              <a:buClr>
+                <a:schemeClr val="accent2"/>
+              </a:buClr>
+              <a:buSzPct val="92000"/>
+              <a:buFont typeface="Wingdings 2" panose="05020102010507070707" pitchFamily="18" charset="2"/>
+              <a:buChar char=""/>
+              <a:defRPr sz="1400" kern="1200">
+                <a:solidFill>
+                  <a:schemeClr val="tx2"/>
+                </a:solidFill>
+                <a:latin typeface="+mn-lt"/>
+                <a:ea typeface="+mn-ea"/>
+                <a:cs typeface="+mn-cs"/>
+              </a:defRPr>
+            </a:lvl3pPr>
+            <a:lvl4pPr marL="1242000" indent="-234000" algn="l" defTabSz="457200" rtl="0" eaLnBrk="1" latinLnBrk="0" hangingPunct="1">
+              <a:spcBef>
+                <a:spcPct val="20000"/>
+              </a:spcBef>
+              <a:spcAft>
+                <a:spcPts val="600"/>
+              </a:spcAft>
+              <a:buClr>
+                <a:schemeClr val="accent2"/>
+              </a:buClr>
+              <a:buSzPct val="92000"/>
+              <a:buFont typeface="Wingdings 2" panose="05020102010507070707" pitchFamily="18" charset="2"/>
+              <a:buChar char=""/>
+              <a:defRPr sz="1200" kern="1200">
+                <a:solidFill>
+                  <a:schemeClr val="tx2"/>
+                </a:solidFill>
+                <a:latin typeface="+mn-lt"/>
+                <a:ea typeface="+mn-ea"/>
+                <a:cs typeface="+mn-cs"/>
+              </a:defRPr>
+            </a:lvl4pPr>
+            <a:lvl5pPr marL="1602000" indent="-234000" algn="l" defTabSz="457200" rtl="0" eaLnBrk="1" latinLnBrk="0" hangingPunct="1">
+              <a:spcBef>
+                <a:spcPct val="20000"/>
+              </a:spcBef>
+              <a:spcAft>
+                <a:spcPts val="600"/>
+              </a:spcAft>
+              <a:buClr>
+                <a:schemeClr val="accent2"/>
+              </a:buClr>
+              <a:buSzPct val="92000"/>
+              <a:buFont typeface="Wingdings 2" panose="05020102010507070707" pitchFamily="18" charset="2"/>
+              <a:buChar char=""/>
+              <a:defRPr sz="1200" kern="1200">
+                <a:solidFill>
+                  <a:schemeClr val="tx2"/>
+                </a:solidFill>
+                <a:latin typeface="+mn-lt"/>
+                <a:ea typeface="+mn-ea"/>
+                <a:cs typeface="+mn-cs"/>
+              </a:defRPr>
+            </a:lvl5pPr>
+            <a:lvl6pPr marL="1900000" indent="-228600" algn="l" defTabSz="457200" rtl="0" eaLnBrk="1" latinLnBrk="0" hangingPunct="1">
+              <a:spcBef>
+                <a:spcPct val="20000"/>
+              </a:spcBef>
+              <a:spcAft>
+                <a:spcPts val="600"/>
+              </a:spcAft>
+              <a:buClr>
+                <a:schemeClr val="accent2"/>
+              </a:buClr>
+              <a:buSzPct val="92000"/>
+              <a:buFont typeface="Wingdings 2" panose="05020102010507070707" pitchFamily="18" charset="2"/>
+              <a:buChar char=""/>
+              <a:defRPr sz="1200" kern="1200">
+                <a:solidFill>
+                  <a:schemeClr val="tx2"/>
+                </a:solidFill>
+                <a:latin typeface="+mn-lt"/>
+                <a:ea typeface="+mn-ea"/>
+                <a:cs typeface="+mn-cs"/>
+              </a:defRPr>
+            </a:lvl6pPr>
+            <a:lvl7pPr marL="2200000" indent="-228600" algn="l" defTabSz="457200" rtl="0" eaLnBrk="1" latinLnBrk="0" hangingPunct="1">
+              <a:spcBef>
+                <a:spcPct val="20000"/>
+              </a:spcBef>
+              <a:spcAft>
+                <a:spcPts val="600"/>
+              </a:spcAft>
+              <a:buClr>
+                <a:schemeClr val="accent2"/>
+              </a:buClr>
+              <a:buSzPct val="92000"/>
+              <a:buFont typeface="Wingdings 2" panose="05020102010507070707" pitchFamily="18" charset="2"/>
+              <a:buChar char=""/>
+              <a:defRPr sz="1200" kern="1200">
+                <a:solidFill>
+                  <a:schemeClr val="tx2"/>
+                </a:solidFill>
+                <a:latin typeface="+mn-lt"/>
+                <a:ea typeface="+mn-ea"/>
+                <a:cs typeface="+mn-cs"/>
+              </a:defRPr>
+            </a:lvl7pPr>
+            <a:lvl8pPr marL="2500000" indent="-228600" algn="l" defTabSz="457200" rtl="0" eaLnBrk="1" latinLnBrk="0" hangingPunct="1">
+              <a:spcBef>
+                <a:spcPct val="20000"/>
+              </a:spcBef>
+              <a:spcAft>
+                <a:spcPts val="600"/>
+              </a:spcAft>
+              <a:buClr>
+                <a:schemeClr val="accent2"/>
+              </a:buClr>
+              <a:buSzPct val="92000"/>
+              <a:buFont typeface="Wingdings 2" panose="05020102010507070707" pitchFamily="18" charset="2"/>
+              <a:buChar char=""/>
+              <a:defRPr sz="1200" kern="1200">
+                <a:solidFill>
+                  <a:schemeClr val="tx2"/>
+                </a:solidFill>
+                <a:latin typeface="+mn-lt"/>
+                <a:ea typeface="+mn-ea"/>
+                <a:cs typeface="+mn-cs"/>
+              </a:defRPr>
+            </a:lvl8pPr>
+            <a:lvl9pPr marL="2800000" indent="-228600" algn="l" defTabSz="457200" rtl="0" eaLnBrk="1" latinLnBrk="0" hangingPunct="1">
+              <a:spcBef>
+                <a:spcPct val="20000"/>
+              </a:spcBef>
+              <a:spcAft>
+                <a:spcPts val="600"/>
+              </a:spcAft>
+              <a:buClr>
+                <a:schemeClr val="accent2"/>
+              </a:buClr>
+              <a:buSzPct val="92000"/>
+              <a:buFont typeface="Wingdings 2" panose="05020102010507070707" pitchFamily="18" charset="2"/>
+              <a:buChar char=""/>
+              <a:defRPr sz="1200" kern="1200">
+                <a:solidFill>
+                  <a:schemeClr val="tx2"/>
+                </a:solidFill>
+                <a:latin typeface="+mn-lt"/>
+                <a:ea typeface="+mn-ea"/>
+                <a:cs typeface="+mn-cs"/>
+              </a:defRPr>
+            </a:lvl9pPr>
+          </a:lstStyle>
+          <a:p>
+            <a:endParaRPr lang="en-US" dirty="0"/>
+          </a:p>
+        </p:txBody>
+      </p:sp>
+      <p:sp>
+        <p:nvSpPr>
+          <p:cNvPr id="5" name="Content Placeholder 2"/>
+          <p:cNvSpPr txBox="1">
+            <a:spLocks/>
+          </p:cNvSpPr>
+          <p:nvPr/>
+        </p:nvSpPr>
+        <p:spPr>
+          <a:xfrm>
+            <a:off x="482336" y="3035644"/>
+            <a:ext cx="11029615" cy="982834"/>
+          </a:xfrm>
+          <a:prstGeom prst="rect">
+            <a:avLst/>
+          </a:prstGeom>
+        </p:spPr>
+        <p:txBody>
+          <a:bodyPr vert="horz" lIns="91440" tIns="45720" rIns="91440" bIns="45720" rtlCol="0" anchor="ctr">
+            <a:normAutofit fontScale="85000" lnSpcReduction="20000"/>
+          </a:bodyPr>
+          <a:lstStyle>
+            <a:lvl1pPr marL="306000" indent="-306000" algn="l" defTabSz="457200" rtl="0" eaLnBrk="1" latinLnBrk="0" hangingPunct="1">
+              <a:spcBef>
+                <a:spcPct val="20000"/>
+              </a:spcBef>
+              <a:spcAft>
+                <a:spcPts val="600"/>
+              </a:spcAft>
+              <a:buClr>
+                <a:schemeClr val="accent2"/>
+              </a:buClr>
+              <a:buSzPct val="92000"/>
+              <a:buFont typeface="Wingdings 2" panose="05020102010507070707" pitchFamily="18" charset="2"/>
+              <a:buChar char=""/>
+              <a:defRPr sz="1800" kern="1200">
+                <a:solidFill>
+                  <a:schemeClr val="tx2"/>
+                </a:solidFill>
+                <a:latin typeface="+mn-lt"/>
+                <a:ea typeface="+mn-ea"/>
+                <a:cs typeface="+mn-cs"/>
+              </a:defRPr>
+            </a:lvl1pPr>
+            <a:lvl2pPr marL="630000" indent="-306000" algn="l" defTabSz="457200" rtl="0" eaLnBrk="1" latinLnBrk="0" hangingPunct="1">
+              <a:spcBef>
+                <a:spcPct val="20000"/>
+              </a:spcBef>
+              <a:spcAft>
+                <a:spcPts val="600"/>
+              </a:spcAft>
+              <a:buClr>
+                <a:schemeClr val="accent2"/>
+              </a:buClr>
+              <a:buSzPct val="92000"/>
+              <a:buFont typeface="Wingdings 2" panose="05020102010507070707" pitchFamily="18" charset="2"/>
+              <a:buChar char=""/>
+              <a:defRPr sz="1600" kern="1200">
+                <a:solidFill>
+                  <a:schemeClr val="tx2"/>
+                </a:solidFill>
+                <a:latin typeface="+mn-lt"/>
+                <a:ea typeface="+mn-ea"/>
+                <a:cs typeface="+mn-cs"/>
+              </a:defRPr>
+            </a:lvl2pPr>
+            <a:lvl3pPr marL="900000" indent="-270000" algn="l" defTabSz="457200" rtl="0" eaLnBrk="1" latinLnBrk="0" hangingPunct="1">
+              <a:spcBef>
+                <a:spcPct val="20000"/>
+              </a:spcBef>
+              <a:spcAft>
+                <a:spcPts val="600"/>
+              </a:spcAft>
+              <a:buClr>
+                <a:schemeClr val="accent2"/>
+              </a:buClr>
+              <a:buSzPct val="92000"/>
+              <a:buFont typeface="Wingdings 2" panose="05020102010507070707" pitchFamily="18" charset="2"/>
+              <a:buChar char=""/>
+              <a:defRPr sz="1400" kern="1200">
+                <a:solidFill>
+                  <a:schemeClr val="tx2"/>
+                </a:solidFill>
+                <a:latin typeface="+mn-lt"/>
+                <a:ea typeface="+mn-ea"/>
+                <a:cs typeface="+mn-cs"/>
+              </a:defRPr>
+            </a:lvl3pPr>
+            <a:lvl4pPr marL="1242000" indent="-234000" algn="l" defTabSz="457200" rtl="0" eaLnBrk="1" latinLnBrk="0" hangingPunct="1">
+              <a:spcBef>
+                <a:spcPct val="20000"/>
+              </a:spcBef>
+              <a:spcAft>
+                <a:spcPts val="600"/>
+              </a:spcAft>
+              <a:buClr>
+                <a:schemeClr val="accent2"/>
+              </a:buClr>
+              <a:buSzPct val="92000"/>
+              <a:buFont typeface="Wingdings 2" panose="05020102010507070707" pitchFamily="18" charset="2"/>
+              <a:buChar char=""/>
+              <a:defRPr sz="1200" kern="1200">
+                <a:solidFill>
+                  <a:schemeClr val="tx2"/>
+                </a:solidFill>
+                <a:latin typeface="+mn-lt"/>
+                <a:ea typeface="+mn-ea"/>
+                <a:cs typeface="+mn-cs"/>
+              </a:defRPr>
+            </a:lvl4pPr>
+            <a:lvl5pPr marL="1602000" indent="-234000" algn="l" defTabSz="457200" rtl="0" eaLnBrk="1" latinLnBrk="0" hangingPunct="1">
+              <a:spcBef>
+                <a:spcPct val="20000"/>
+              </a:spcBef>
+              <a:spcAft>
+                <a:spcPts val="600"/>
+              </a:spcAft>
+              <a:buClr>
+                <a:schemeClr val="accent2"/>
+              </a:buClr>
+              <a:buSzPct val="92000"/>
+              <a:buFont typeface="Wingdings 2" panose="05020102010507070707" pitchFamily="18" charset="2"/>
+              <a:buChar char=""/>
+              <a:defRPr sz="1200" kern="1200">
+                <a:solidFill>
+                  <a:schemeClr val="tx2"/>
+                </a:solidFill>
+                <a:latin typeface="+mn-lt"/>
+                <a:ea typeface="+mn-ea"/>
+                <a:cs typeface="+mn-cs"/>
+              </a:defRPr>
+            </a:lvl5pPr>
+            <a:lvl6pPr marL="1900000" indent="-228600" algn="l" defTabSz="457200" rtl="0" eaLnBrk="1" latinLnBrk="0" hangingPunct="1">
+              <a:spcBef>
+                <a:spcPct val="20000"/>
+              </a:spcBef>
+              <a:spcAft>
+                <a:spcPts val="600"/>
+              </a:spcAft>
+              <a:buClr>
+                <a:schemeClr val="accent2"/>
+              </a:buClr>
+              <a:buSzPct val="92000"/>
+              <a:buFont typeface="Wingdings 2" panose="05020102010507070707" pitchFamily="18" charset="2"/>
+              <a:buChar char=""/>
+              <a:defRPr sz="1200" kern="1200">
+                <a:solidFill>
+                  <a:schemeClr val="tx2"/>
+                </a:solidFill>
+                <a:latin typeface="+mn-lt"/>
+                <a:ea typeface="+mn-ea"/>
+                <a:cs typeface="+mn-cs"/>
+              </a:defRPr>
+            </a:lvl6pPr>
+            <a:lvl7pPr marL="2200000" indent="-228600" algn="l" defTabSz="457200" rtl="0" eaLnBrk="1" latinLnBrk="0" hangingPunct="1">
+              <a:spcBef>
+                <a:spcPct val="20000"/>
+              </a:spcBef>
+              <a:spcAft>
+                <a:spcPts val="600"/>
+              </a:spcAft>
+              <a:buClr>
+                <a:schemeClr val="accent2"/>
+              </a:buClr>
+              <a:buSzPct val="92000"/>
+              <a:buFont typeface="Wingdings 2" panose="05020102010507070707" pitchFamily="18" charset="2"/>
+              <a:buChar char=""/>
+              <a:defRPr sz="1200" kern="1200">
+                <a:solidFill>
+                  <a:schemeClr val="tx2"/>
+                </a:solidFill>
+                <a:latin typeface="+mn-lt"/>
+                <a:ea typeface="+mn-ea"/>
+                <a:cs typeface="+mn-cs"/>
+              </a:defRPr>
+            </a:lvl7pPr>
+            <a:lvl8pPr marL="2500000" indent="-228600" algn="l" defTabSz="457200" rtl="0" eaLnBrk="1" latinLnBrk="0" hangingPunct="1">
+              <a:spcBef>
+                <a:spcPct val="20000"/>
+              </a:spcBef>
+              <a:spcAft>
+                <a:spcPts val="600"/>
+              </a:spcAft>
+              <a:buClr>
+                <a:schemeClr val="accent2"/>
+              </a:buClr>
+              <a:buSzPct val="92000"/>
+              <a:buFont typeface="Wingdings 2" panose="05020102010507070707" pitchFamily="18" charset="2"/>
+              <a:buChar char=""/>
+              <a:defRPr sz="1200" kern="1200">
+                <a:solidFill>
+                  <a:schemeClr val="tx2"/>
+                </a:solidFill>
+                <a:latin typeface="+mn-lt"/>
+                <a:ea typeface="+mn-ea"/>
+                <a:cs typeface="+mn-cs"/>
+              </a:defRPr>
+            </a:lvl8pPr>
+            <a:lvl9pPr marL="2800000" indent="-228600" algn="l" defTabSz="457200" rtl="0" eaLnBrk="1" latinLnBrk="0" hangingPunct="1">
+              <a:spcBef>
+                <a:spcPct val="20000"/>
+              </a:spcBef>
+              <a:spcAft>
+                <a:spcPts val="600"/>
+              </a:spcAft>
+              <a:buClr>
+                <a:schemeClr val="accent2"/>
+              </a:buClr>
+              <a:buSzPct val="92000"/>
+              <a:buFont typeface="Wingdings 2" panose="05020102010507070707" pitchFamily="18" charset="2"/>
+              <a:buChar char=""/>
+              <a:defRPr sz="1200" kern="1200">
+                <a:solidFill>
+                  <a:schemeClr val="tx2"/>
+                </a:solidFill>
+                <a:latin typeface="+mn-lt"/>
+                <a:ea typeface="+mn-ea"/>
+                <a:cs typeface="+mn-cs"/>
+              </a:defRPr>
+            </a:lvl9pPr>
+          </a:lstStyle>
+          <a:p>
+            <a:r>
+              <a:rPr lang="en-US" dirty="0" smtClean="0"/>
+              <a:t>Back end</a:t>
+            </a:r>
+          </a:p>
+          <a:p>
+            <a:pPr lvl="1"/>
+            <a:r>
+              <a:rPr lang="en-US" dirty="0" smtClean="0"/>
+              <a:t>Web server, for example Apache, </a:t>
+            </a:r>
+            <a:r>
+              <a:rPr lang="en-US" dirty="0" err="1" smtClean="0"/>
+              <a:t>Websphere</a:t>
+            </a:r>
+            <a:r>
+              <a:rPr lang="en-US" dirty="0" smtClean="0"/>
+              <a:t>, IIE, which handles requests for documents</a:t>
+            </a:r>
+          </a:p>
+          <a:p>
+            <a:pPr lvl="1"/>
+            <a:r>
+              <a:rPr lang="en-US" dirty="0" smtClean="0"/>
+              <a:t>Database server, for example MySQL, Oracle, MS SQL Server, Mongo, which handle requests for data</a:t>
+            </a:r>
+          </a:p>
+          <a:p>
+            <a:pPr lvl="1"/>
+            <a:endParaRPr lang="en-US" dirty="0" smtClean="0"/>
+          </a:p>
+        </p:txBody>
+      </p:sp>
+      <p:sp>
+        <p:nvSpPr>
+          <p:cNvPr id="6" name="Content Placeholder 2"/>
+          <p:cNvSpPr txBox="1">
+            <a:spLocks/>
+          </p:cNvSpPr>
+          <p:nvPr/>
+        </p:nvSpPr>
+        <p:spPr>
+          <a:xfrm>
+            <a:off x="408197" y="4077729"/>
+            <a:ext cx="11029615" cy="1565189"/>
+          </a:xfrm>
+          <a:prstGeom prst="rect">
+            <a:avLst/>
+          </a:prstGeom>
+        </p:spPr>
+        <p:txBody>
+          <a:bodyPr vert="horz" lIns="91440" tIns="45720" rIns="91440" bIns="45720" rtlCol="0" anchor="ctr">
+            <a:normAutofit fontScale="25000" lnSpcReduction="20000"/>
+          </a:bodyPr>
+          <a:lstStyle>
+            <a:lvl1pPr marL="306000" indent="-306000" algn="l" defTabSz="457200" rtl="0" eaLnBrk="1" latinLnBrk="0" hangingPunct="1">
+              <a:spcBef>
+                <a:spcPct val="20000"/>
+              </a:spcBef>
+              <a:spcAft>
+                <a:spcPts val="600"/>
+              </a:spcAft>
+              <a:buClr>
+                <a:schemeClr val="accent2"/>
+              </a:buClr>
+              <a:buSzPct val="92000"/>
+              <a:buFont typeface="Wingdings 2" panose="05020102010507070707" pitchFamily="18" charset="2"/>
+              <a:buChar char=""/>
+              <a:defRPr sz="1800" kern="1200">
+                <a:solidFill>
+                  <a:schemeClr val="tx2"/>
+                </a:solidFill>
+                <a:latin typeface="+mn-lt"/>
+                <a:ea typeface="+mn-ea"/>
+                <a:cs typeface="+mn-cs"/>
+              </a:defRPr>
+            </a:lvl1pPr>
+            <a:lvl2pPr marL="630000" indent="-306000" algn="l" defTabSz="457200" rtl="0" eaLnBrk="1" latinLnBrk="0" hangingPunct="1">
+              <a:spcBef>
+                <a:spcPct val="20000"/>
+              </a:spcBef>
+              <a:spcAft>
+                <a:spcPts val="600"/>
+              </a:spcAft>
+              <a:buClr>
+                <a:schemeClr val="accent2"/>
+              </a:buClr>
+              <a:buSzPct val="92000"/>
+              <a:buFont typeface="Wingdings 2" panose="05020102010507070707" pitchFamily="18" charset="2"/>
+              <a:buChar char=""/>
+              <a:defRPr sz="1600" kern="1200">
+                <a:solidFill>
+                  <a:schemeClr val="tx2"/>
+                </a:solidFill>
+                <a:latin typeface="+mn-lt"/>
+                <a:ea typeface="+mn-ea"/>
+                <a:cs typeface="+mn-cs"/>
+              </a:defRPr>
+            </a:lvl2pPr>
+            <a:lvl3pPr marL="900000" indent="-270000" algn="l" defTabSz="457200" rtl="0" eaLnBrk="1" latinLnBrk="0" hangingPunct="1">
+              <a:spcBef>
+                <a:spcPct val="20000"/>
+              </a:spcBef>
+              <a:spcAft>
+                <a:spcPts val="600"/>
+              </a:spcAft>
+              <a:buClr>
+                <a:schemeClr val="accent2"/>
+              </a:buClr>
+              <a:buSzPct val="92000"/>
+              <a:buFont typeface="Wingdings 2" panose="05020102010507070707" pitchFamily="18" charset="2"/>
+              <a:buChar char=""/>
+              <a:defRPr sz="1400" kern="1200">
+                <a:solidFill>
+                  <a:schemeClr val="tx2"/>
+                </a:solidFill>
+                <a:latin typeface="+mn-lt"/>
+                <a:ea typeface="+mn-ea"/>
+                <a:cs typeface="+mn-cs"/>
+              </a:defRPr>
+            </a:lvl3pPr>
+            <a:lvl4pPr marL="1242000" indent="-234000" algn="l" defTabSz="457200" rtl="0" eaLnBrk="1" latinLnBrk="0" hangingPunct="1">
+              <a:spcBef>
+                <a:spcPct val="20000"/>
+              </a:spcBef>
+              <a:spcAft>
+                <a:spcPts val="600"/>
+              </a:spcAft>
+              <a:buClr>
+                <a:schemeClr val="accent2"/>
+              </a:buClr>
+              <a:buSzPct val="92000"/>
+              <a:buFont typeface="Wingdings 2" panose="05020102010507070707" pitchFamily="18" charset="2"/>
+              <a:buChar char=""/>
+              <a:defRPr sz="1200" kern="1200">
+                <a:solidFill>
+                  <a:schemeClr val="tx2"/>
+                </a:solidFill>
+                <a:latin typeface="+mn-lt"/>
+                <a:ea typeface="+mn-ea"/>
+                <a:cs typeface="+mn-cs"/>
+              </a:defRPr>
+            </a:lvl4pPr>
+            <a:lvl5pPr marL="1602000" indent="-234000" algn="l" defTabSz="457200" rtl="0" eaLnBrk="1" latinLnBrk="0" hangingPunct="1">
+              <a:spcBef>
+                <a:spcPct val="20000"/>
+              </a:spcBef>
+              <a:spcAft>
+                <a:spcPts val="600"/>
+              </a:spcAft>
+              <a:buClr>
+                <a:schemeClr val="accent2"/>
+              </a:buClr>
+              <a:buSzPct val="92000"/>
+              <a:buFont typeface="Wingdings 2" panose="05020102010507070707" pitchFamily="18" charset="2"/>
+              <a:buChar char=""/>
+              <a:defRPr sz="1200" kern="1200">
+                <a:solidFill>
+                  <a:schemeClr val="tx2"/>
+                </a:solidFill>
+                <a:latin typeface="+mn-lt"/>
+                <a:ea typeface="+mn-ea"/>
+                <a:cs typeface="+mn-cs"/>
+              </a:defRPr>
+            </a:lvl5pPr>
+            <a:lvl6pPr marL="1900000" indent="-228600" algn="l" defTabSz="457200" rtl="0" eaLnBrk="1" latinLnBrk="0" hangingPunct="1">
+              <a:spcBef>
+                <a:spcPct val="20000"/>
+              </a:spcBef>
+              <a:spcAft>
+                <a:spcPts val="600"/>
+              </a:spcAft>
+              <a:buClr>
+                <a:schemeClr val="accent2"/>
+              </a:buClr>
+              <a:buSzPct val="92000"/>
+              <a:buFont typeface="Wingdings 2" panose="05020102010507070707" pitchFamily="18" charset="2"/>
+              <a:buChar char=""/>
+              <a:defRPr sz="1200" kern="1200">
+                <a:solidFill>
+                  <a:schemeClr val="tx2"/>
+                </a:solidFill>
+                <a:latin typeface="+mn-lt"/>
+                <a:ea typeface="+mn-ea"/>
+                <a:cs typeface="+mn-cs"/>
+              </a:defRPr>
+            </a:lvl6pPr>
+            <a:lvl7pPr marL="2200000" indent="-228600" algn="l" defTabSz="457200" rtl="0" eaLnBrk="1" latinLnBrk="0" hangingPunct="1">
+              <a:spcBef>
+                <a:spcPct val="20000"/>
+              </a:spcBef>
+              <a:spcAft>
+                <a:spcPts val="600"/>
+              </a:spcAft>
+              <a:buClr>
+                <a:schemeClr val="accent2"/>
+              </a:buClr>
+              <a:buSzPct val="92000"/>
+              <a:buFont typeface="Wingdings 2" panose="05020102010507070707" pitchFamily="18" charset="2"/>
+              <a:buChar char=""/>
+              <a:defRPr sz="1200" kern="1200">
+                <a:solidFill>
+                  <a:schemeClr val="tx2"/>
+                </a:solidFill>
+                <a:latin typeface="+mn-lt"/>
+                <a:ea typeface="+mn-ea"/>
+                <a:cs typeface="+mn-cs"/>
+              </a:defRPr>
+            </a:lvl7pPr>
+            <a:lvl8pPr marL="2500000" indent="-228600" algn="l" defTabSz="457200" rtl="0" eaLnBrk="1" latinLnBrk="0" hangingPunct="1">
+              <a:spcBef>
+                <a:spcPct val="20000"/>
+              </a:spcBef>
+              <a:spcAft>
+                <a:spcPts val="600"/>
+              </a:spcAft>
+              <a:buClr>
+                <a:schemeClr val="accent2"/>
+              </a:buClr>
+              <a:buSzPct val="92000"/>
+              <a:buFont typeface="Wingdings 2" panose="05020102010507070707" pitchFamily="18" charset="2"/>
+              <a:buChar char=""/>
+              <a:defRPr sz="1200" kern="1200">
+                <a:solidFill>
+                  <a:schemeClr val="tx2"/>
+                </a:solidFill>
+                <a:latin typeface="+mn-lt"/>
+                <a:ea typeface="+mn-ea"/>
+                <a:cs typeface="+mn-cs"/>
+              </a:defRPr>
+            </a:lvl8pPr>
+            <a:lvl9pPr marL="2800000" indent="-228600" algn="l" defTabSz="457200" rtl="0" eaLnBrk="1" latinLnBrk="0" hangingPunct="1">
+              <a:spcBef>
+                <a:spcPct val="20000"/>
+              </a:spcBef>
+              <a:spcAft>
+                <a:spcPts val="600"/>
+              </a:spcAft>
+              <a:buClr>
+                <a:schemeClr val="accent2"/>
+              </a:buClr>
+              <a:buSzPct val="92000"/>
+              <a:buFont typeface="Wingdings 2" panose="05020102010507070707" pitchFamily="18" charset="2"/>
+              <a:buChar char=""/>
+              <a:defRPr sz="1200" kern="1200">
+                <a:solidFill>
+                  <a:schemeClr val="tx2"/>
+                </a:solidFill>
+                <a:latin typeface="+mn-lt"/>
+                <a:ea typeface="+mn-ea"/>
+                <a:cs typeface="+mn-cs"/>
+              </a:defRPr>
+            </a:lvl9pPr>
+          </a:lstStyle>
+          <a:p>
+            <a:r>
+              <a:rPr lang="en-US" sz="5600" dirty="0" smtClean="0"/>
+              <a:t>Middle Tier</a:t>
+            </a:r>
+          </a:p>
+          <a:p>
+            <a:pPr lvl="1"/>
+            <a:r>
+              <a:rPr lang="en-US" sz="5600" dirty="0" smtClean="0"/>
+              <a:t>Controlling programs that coordinate communication between the backend and the front end</a:t>
+            </a:r>
+          </a:p>
+          <a:p>
+            <a:pPr lvl="2"/>
+            <a:r>
+              <a:rPr lang="en-US" sz="5600" dirty="0" smtClean="0"/>
+              <a:t>Java</a:t>
+            </a:r>
+          </a:p>
+          <a:p>
+            <a:pPr lvl="2"/>
+            <a:r>
+              <a:rPr lang="en-US" sz="5600" dirty="0" smtClean="0"/>
+              <a:t>Python</a:t>
+            </a:r>
+          </a:p>
+          <a:p>
+            <a:pPr lvl="2"/>
+            <a:r>
+              <a:rPr lang="en-US" sz="5600" dirty="0" smtClean="0"/>
+              <a:t>PHP</a:t>
+            </a:r>
+          </a:p>
+          <a:p>
+            <a:pPr lvl="1"/>
+            <a:endParaRPr lang="en-US" dirty="0" smtClean="0"/>
+          </a:p>
+        </p:txBody>
+      </p:sp>
+    </p:spTree>
+    <p:extLst>
+      <p:ext uri="{BB962C8B-B14F-4D97-AF65-F5344CB8AC3E}">
+        <p14:creationId xmlns:p14="http://schemas.microsoft.com/office/powerpoint/2010/main" val="680964017"/>
+      </p:ext>
+    </p:extLst>
+  </p:cSld>
+  <p:clrMapOvr>
+    <a:masterClrMapping/>
+  </p:clrMapOvr>
+  <p:timing>
+    <p:tnLst>
+      <p:par>
+        <p:cTn xmlns:p14="http://schemas.microsoft.com/office/powerpoint/2010/main" id="1" dur="indefinite" restart="never" nodeType="tmRoot"/>
+      </p:par>
+    </p:tnLst>
+  </p:timing>
+</p:sld>
+</file>
+
+<file path=ppt/slides/slide20.xml><?xml version="1.0" encoding="utf-8"?>
 <p:sld xmlns:a="http://schemas.openxmlformats.org/drawingml/2006/main" xmlns:r="http://schemas.openxmlformats.org/officeDocument/2006/relationships" xmlns:p="http://schemas.openxmlformats.org/presentationml/2006/main">
   <p:cSld>
     <p:spTree>
@@ -5815,1074 +7055,6 @@
 </p:sld>
 </file>
 
-<file path=ppt/slides/slide19.xml><?xml version="1.0" encoding="utf-8"?>
-<p:sld xmlns:a="http://schemas.openxmlformats.org/drawingml/2006/main" xmlns:r="http://schemas.openxmlformats.org/officeDocument/2006/relationships" xmlns:p="http://schemas.openxmlformats.org/presentationml/2006/main">
-  <p:cSld>
-    <p:spTree>
-      <p:nvGrpSpPr>
-        <p:cNvPr id="1" name=""/>
-        <p:cNvGrpSpPr/>
-        <p:nvPr/>
-      </p:nvGrpSpPr>
-      <p:grpSpPr>
-        <a:xfrm>
-          <a:off x="0" y="0"/>
-          <a:ext cx="0" cy="0"/>
-          <a:chOff x="0" y="0"/>
-          <a:chExt cx="0" cy="0"/>
-        </a:xfrm>
-      </p:grpSpPr>
-      <p:sp>
-        <p:nvSpPr>
-          <p:cNvPr id="2" name="Title 1"/>
-          <p:cNvSpPr>
-            <a:spLocks noGrp="1"/>
-          </p:cNvSpPr>
-          <p:nvPr>
-            <p:ph type="title"/>
-          </p:nvPr>
-        </p:nvSpPr>
-        <p:spPr/>
-        <p:txBody>
-          <a:bodyPr/>
-          <a:lstStyle/>
-          <a:p>
-            <a:r>
-              <a:rPr lang="en-US" dirty="0" smtClean="0"/>
-              <a:t>Display Inline-Block</a:t>
-            </a:r>
-            <a:endParaRPr lang="en-US" dirty="0"/>
-          </a:p>
-        </p:txBody>
-      </p:sp>
-      <p:sp>
-        <p:nvSpPr>
-          <p:cNvPr id="3" name="Content Placeholder 2"/>
-          <p:cNvSpPr>
-            <a:spLocks noGrp="1"/>
-          </p:cNvSpPr>
-          <p:nvPr>
-            <p:ph idx="1"/>
-          </p:nvPr>
-        </p:nvSpPr>
-        <p:spPr/>
-        <p:txBody>
-          <a:bodyPr/>
-          <a:lstStyle/>
-          <a:p>
-            <a:r>
-              <a:rPr lang="en-US" dirty="0" smtClean="0"/>
-              <a:t>Block elements can be given the inline-block display style, which allows them to be placed side by side in a line, while also allowing height property to be set.</a:t>
-            </a:r>
-          </a:p>
-          <a:p>
-            <a:endParaRPr lang="en-US" dirty="0"/>
-          </a:p>
-          <a:p>
-            <a:endParaRPr lang="en-US" dirty="0" smtClean="0"/>
-          </a:p>
-          <a:p>
-            <a:endParaRPr lang="en-US" dirty="0"/>
-          </a:p>
-          <a:p>
-            <a:endParaRPr lang="en-US" dirty="0" smtClean="0"/>
-          </a:p>
-          <a:p>
-            <a:endParaRPr lang="en-US" dirty="0"/>
-          </a:p>
-        </p:txBody>
-      </p:sp>
-    </p:spTree>
-    <p:extLst>
-      <p:ext uri="{BB962C8B-B14F-4D97-AF65-F5344CB8AC3E}">
-        <p14:creationId xmlns:p14="http://schemas.microsoft.com/office/powerpoint/2010/main" val="2822280006"/>
-      </p:ext>
-    </p:extLst>
-  </p:cSld>
-  <p:clrMapOvr>
-    <a:masterClrMapping/>
-  </p:clrMapOvr>
-  <p:timing>
-    <p:tnLst>
-      <p:par>
-        <p:cTn xmlns:p14="http://schemas.microsoft.com/office/powerpoint/2010/main" id="1" dur="indefinite" restart="never" nodeType="tmRoot"/>
-      </p:par>
-    </p:tnLst>
-  </p:timing>
-</p:sld>
-</file>
-
-<file path=ppt/slides/slide2.xml><?xml version="1.0" encoding="utf-8"?>
-<p:sld xmlns:a="http://schemas.openxmlformats.org/drawingml/2006/main" xmlns:r="http://schemas.openxmlformats.org/officeDocument/2006/relationships" xmlns:p="http://schemas.openxmlformats.org/presentationml/2006/main">
-  <p:cSld>
-    <p:spTree>
-      <p:nvGrpSpPr>
-        <p:cNvPr id="1" name=""/>
-        <p:cNvGrpSpPr/>
-        <p:nvPr/>
-      </p:nvGrpSpPr>
-      <p:grpSpPr>
-        <a:xfrm>
-          <a:off x="0" y="0"/>
-          <a:ext cx="0" cy="0"/>
-          <a:chOff x="0" y="0"/>
-          <a:chExt cx="0" cy="0"/>
-        </a:xfrm>
-      </p:grpSpPr>
-      <p:sp>
-        <p:nvSpPr>
-          <p:cNvPr id="2" name="Title 1"/>
-          <p:cNvSpPr>
-            <a:spLocks noGrp="1"/>
-          </p:cNvSpPr>
-          <p:nvPr>
-            <p:ph type="title"/>
-          </p:nvPr>
-        </p:nvSpPr>
-        <p:spPr/>
-        <p:txBody>
-          <a:bodyPr/>
-          <a:lstStyle/>
-          <a:p>
-            <a:r>
-              <a:rPr lang="en-US" dirty="0" smtClean="0"/>
-              <a:t>Web sites typically have three tiers</a:t>
-            </a:r>
-            <a:endParaRPr lang="en-US" dirty="0"/>
-          </a:p>
-        </p:txBody>
-      </p:sp>
-      <p:sp>
-        <p:nvSpPr>
-          <p:cNvPr id="3" name="Content Placeholder 2"/>
-          <p:cNvSpPr>
-            <a:spLocks noGrp="1"/>
-          </p:cNvSpPr>
-          <p:nvPr>
-            <p:ph idx="1"/>
-          </p:nvPr>
-        </p:nvSpPr>
-        <p:spPr>
-          <a:xfrm>
-            <a:off x="482337" y="1999264"/>
-            <a:ext cx="11029615" cy="982834"/>
-          </a:xfrm>
-        </p:spPr>
-        <p:txBody>
-          <a:bodyPr>
-            <a:normAutofit fontScale="85000" lnSpcReduction="20000"/>
-          </a:bodyPr>
-          <a:lstStyle/>
-          <a:p>
-            <a:r>
-              <a:rPr lang="en-US" dirty="0" smtClean="0"/>
-              <a:t>Front end</a:t>
-            </a:r>
-          </a:p>
-          <a:p>
-            <a:pPr lvl="1"/>
-            <a:r>
-              <a:rPr lang="en-US" dirty="0" smtClean="0"/>
-              <a:t>Web browser</a:t>
-            </a:r>
-          </a:p>
-          <a:p>
-            <a:pPr lvl="1"/>
-            <a:r>
-              <a:rPr lang="en-US" dirty="0" smtClean="0"/>
-              <a:t>Scripting languages, particularly </a:t>
-            </a:r>
-            <a:r>
-              <a:rPr lang="en-US" dirty="0" err="1" smtClean="0"/>
-              <a:t>javascript</a:t>
-            </a:r>
-            <a:r>
-              <a:rPr lang="en-US" dirty="0" smtClean="0"/>
-              <a:t> (ECMA script)</a:t>
-            </a:r>
-          </a:p>
-          <a:p>
-            <a:pPr lvl="1"/>
-            <a:endParaRPr lang="en-US" dirty="0" smtClean="0"/>
-          </a:p>
-        </p:txBody>
-      </p:sp>
-      <p:sp>
-        <p:nvSpPr>
-          <p:cNvPr id="4" name="Content Placeholder 2"/>
-          <p:cNvSpPr txBox="1">
-            <a:spLocks/>
-          </p:cNvSpPr>
-          <p:nvPr/>
-        </p:nvSpPr>
-        <p:spPr>
-          <a:xfrm>
-            <a:off x="408197" y="3041350"/>
-            <a:ext cx="11029615" cy="982834"/>
-          </a:xfrm>
-          <a:prstGeom prst="rect">
-            <a:avLst/>
-          </a:prstGeom>
-        </p:spPr>
-        <p:txBody>
-          <a:bodyPr vert="horz" lIns="91440" tIns="45720" rIns="91440" bIns="45720" rtlCol="0" anchor="ctr">
-            <a:normAutofit/>
-          </a:bodyPr>
-          <a:lstStyle>
-            <a:lvl1pPr marL="306000" indent="-306000" algn="l" defTabSz="457200" rtl="0" eaLnBrk="1" latinLnBrk="0" hangingPunct="1">
-              <a:spcBef>
-                <a:spcPct val="20000"/>
-              </a:spcBef>
-              <a:spcAft>
-                <a:spcPts val="600"/>
-              </a:spcAft>
-              <a:buClr>
-                <a:schemeClr val="accent2"/>
-              </a:buClr>
-              <a:buSzPct val="92000"/>
-              <a:buFont typeface="Wingdings 2" panose="05020102010507070707" pitchFamily="18" charset="2"/>
-              <a:buChar char=""/>
-              <a:defRPr sz="1800" kern="1200">
-                <a:solidFill>
-                  <a:schemeClr val="tx2"/>
-                </a:solidFill>
-                <a:latin typeface="+mn-lt"/>
-                <a:ea typeface="+mn-ea"/>
-                <a:cs typeface="+mn-cs"/>
-              </a:defRPr>
-            </a:lvl1pPr>
-            <a:lvl2pPr marL="630000" indent="-306000" algn="l" defTabSz="457200" rtl="0" eaLnBrk="1" latinLnBrk="0" hangingPunct="1">
-              <a:spcBef>
-                <a:spcPct val="20000"/>
-              </a:spcBef>
-              <a:spcAft>
-                <a:spcPts val="600"/>
-              </a:spcAft>
-              <a:buClr>
-                <a:schemeClr val="accent2"/>
-              </a:buClr>
-              <a:buSzPct val="92000"/>
-              <a:buFont typeface="Wingdings 2" panose="05020102010507070707" pitchFamily="18" charset="2"/>
-              <a:buChar char=""/>
-              <a:defRPr sz="1600" kern="1200">
-                <a:solidFill>
-                  <a:schemeClr val="tx2"/>
-                </a:solidFill>
-                <a:latin typeface="+mn-lt"/>
-                <a:ea typeface="+mn-ea"/>
-                <a:cs typeface="+mn-cs"/>
-              </a:defRPr>
-            </a:lvl2pPr>
-            <a:lvl3pPr marL="900000" indent="-270000" algn="l" defTabSz="457200" rtl="0" eaLnBrk="1" latinLnBrk="0" hangingPunct="1">
-              <a:spcBef>
-                <a:spcPct val="20000"/>
-              </a:spcBef>
-              <a:spcAft>
-                <a:spcPts val="600"/>
-              </a:spcAft>
-              <a:buClr>
-                <a:schemeClr val="accent2"/>
-              </a:buClr>
-              <a:buSzPct val="92000"/>
-              <a:buFont typeface="Wingdings 2" panose="05020102010507070707" pitchFamily="18" charset="2"/>
-              <a:buChar char=""/>
-              <a:defRPr sz="1400" kern="1200">
-                <a:solidFill>
-                  <a:schemeClr val="tx2"/>
-                </a:solidFill>
-                <a:latin typeface="+mn-lt"/>
-                <a:ea typeface="+mn-ea"/>
-                <a:cs typeface="+mn-cs"/>
-              </a:defRPr>
-            </a:lvl3pPr>
-            <a:lvl4pPr marL="1242000" indent="-234000" algn="l" defTabSz="457200" rtl="0" eaLnBrk="1" latinLnBrk="0" hangingPunct="1">
-              <a:spcBef>
-                <a:spcPct val="20000"/>
-              </a:spcBef>
-              <a:spcAft>
-                <a:spcPts val="600"/>
-              </a:spcAft>
-              <a:buClr>
-                <a:schemeClr val="accent2"/>
-              </a:buClr>
-              <a:buSzPct val="92000"/>
-              <a:buFont typeface="Wingdings 2" panose="05020102010507070707" pitchFamily="18" charset="2"/>
-              <a:buChar char=""/>
-              <a:defRPr sz="1200" kern="1200">
-                <a:solidFill>
-                  <a:schemeClr val="tx2"/>
-                </a:solidFill>
-                <a:latin typeface="+mn-lt"/>
-                <a:ea typeface="+mn-ea"/>
-                <a:cs typeface="+mn-cs"/>
-              </a:defRPr>
-            </a:lvl4pPr>
-            <a:lvl5pPr marL="1602000" indent="-234000" algn="l" defTabSz="457200" rtl="0" eaLnBrk="1" latinLnBrk="0" hangingPunct="1">
-              <a:spcBef>
-                <a:spcPct val="20000"/>
-              </a:spcBef>
-              <a:spcAft>
-                <a:spcPts val="600"/>
-              </a:spcAft>
-              <a:buClr>
-                <a:schemeClr val="accent2"/>
-              </a:buClr>
-              <a:buSzPct val="92000"/>
-              <a:buFont typeface="Wingdings 2" panose="05020102010507070707" pitchFamily="18" charset="2"/>
-              <a:buChar char=""/>
-              <a:defRPr sz="1200" kern="1200">
-                <a:solidFill>
-                  <a:schemeClr val="tx2"/>
-                </a:solidFill>
-                <a:latin typeface="+mn-lt"/>
-                <a:ea typeface="+mn-ea"/>
-                <a:cs typeface="+mn-cs"/>
-              </a:defRPr>
-            </a:lvl5pPr>
-            <a:lvl6pPr marL="1900000" indent="-228600" algn="l" defTabSz="457200" rtl="0" eaLnBrk="1" latinLnBrk="0" hangingPunct="1">
-              <a:spcBef>
-                <a:spcPct val="20000"/>
-              </a:spcBef>
-              <a:spcAft>
-                <a:spcPts val="600"/>
-              </a:spcAft>
-              <a:buClr>
-                <a:schemeClr val="accent2"/>
-              </a:buClr>
-              <a:buSzPct val="92000"/>
-              <a:buFont typeface="Wingdings 2" panose="05020102010507070707" pitchFamily="18" charset="2"/>
-              <a:buChar char=""/>
-              <a:defRPr sz="1200" kern="1200">
-                <a:solidFill>
-                  <a:schemeClr val="tx2"/>
-                </a:solidFill>
-                <a:latin typeface="+mn-lt"/>
-                <a:ea typeface="+mn-ea"/>
-                <a:cs typeface="+mn-cs"/>
-              </a:defRPr>
-            </a:lvl6pPr>
-            <a:lvl7pPr marL="2200000" indent="-228600" algn="l" defTabSz="457200" rtl="0" eaLnBrk="1" latinLnBrk="0" hangingPunct="1">
-              <a:spcBef>
-                <a:spcPct val="20000"/>
-              </a:spcBef>
-              <a:spcAft>
-                <a:spcPts val="600"/>
-              </a:spcAft>
-              <a:buClr>
-                <a:schemeClr val="accent2"/>
-              </a:buClr>
-              <a:buSzPct val="92000"/>
-              <a:buFont typeface="Wingdings 2" panose="05020102010507070707" pitchFamily="18" charset="2"/>
-              <a:buChar char=""/>
-              <a:defRPr sz="1200" kern="1200">
-                <a:solidFill>
-                  <a:schemeClr val="tx2"/>
-                </a:solidFill>
-                <a:latin typeface="+mn-lt"/>
-                <a:ea typeface="+mn-ea"/>
-                <a:cs typeface="+mn-cs"/>
-              </a:defRPr>
-            </a:lvl7pPr>
-            <a:lvl8pPr marL="2500000" indent="-228600" algn="l" defTabSz="457200" rtl="0" eaLnBrk="1" latinLnBrk="0" hangingPunct="1">
-              <a:spcBef>
-                <a:spcPct val="20000"/>
-              </a:spcBef>
-              <a:spcAft>
-                <a:spcPts val="600"/>
-              </a:spcAft>
-              <a:buClr>
-                <a:schemeClr val="accent2"/>
-              </a:buClr>
-              <a:buSzPct val="92000"/>
-              <a:buFont typeface="Wingdings 2" panose="05020102010507070707" pitchFamily="18" charset="2"/>
-              <a:buChar char=""/>
-              <a:defRPr sz="1200" kern="1200">
-                <a:solidFill>
-                  <a:schemeClr val="tx2"/>
-                </a:solidFill>
-                <a:latin typeface="+mn-lt"/>
-                <a:ea typeface="+mn-ea"/>
-                <a:cs typeface="+mn-cs"/>
-              </a:defRPr>
-            </a:lvl8pPr>
-            <a:lvl9pPr marL="2800000" indent="-228600" algn="l" defTabSz="457200" rtl="0" eaLnBrk="1" latinLnBrk="0" hangingPunct="1">
-              <a:spcBef>
-                <a:spcPct val="20000"/>
-              </a:spcBef>
-              <a:spcAft>
-                <a:spcPts val="600"/>
-              </a:spcAft>
-              <a:buClr>
-                <a:schemeClr val="accent2"/>
-              </a:buClr>
-              <a:buSzPct val="92000"/>
-              <a:buFont typeface="Wingdings 2" panose="05020102010507070707" pitchFamily="18" charset="2"/>
-              <a:buChar char=""/>
-              <a:defRPr sz="1200" kern="1200">
-                <a:solidFill>
-                  <a:schemeClr val="tx2"/>
-                </a:solidFill>
-                <a:latin typeface="+mn-lt"/>
-                <a:ea typeface="+mn-ea"/>
-                <a:cs typeface="+mn-cs"/>
-              </a:defRPr>
-            </a:lvl9pPr>
-          </a:lstStyle>
-          <a:p>
-            <a:endParaRPr lang="en-US" dirty="0"/>
-          </a:p>
-        </p:txBody>
-      </p:sp>
-      <p:sp>
-        <p:nvSpPr>
-          <p:cNvPr id="5" name="Content Placeholder 2"/>
-          <p:cNvSpPr txBox="1">
-            <a:spLocks/>
-          </p:cNvSpPr>
-          <p:nvPr/>
-        </p:nvSpPr>
-        <p:spPr>
-          <a:xfrm>
-            <a:off x="482336" y="3035644"/>
-            <a:ext cx="11029615" cy="982834"/>
-          </a:xfrm>
-          <a:prstGeom prst="rect">
-            <a:avLst/>
-          </a:prstGeom>
-        </p:spPr>
-        <p:txBody>
-          <a:bodyPr vert="horz" lIns="91440" tIns="45720" rIns="91440" bIns="45720" rtlCol="0" anchor="ctr">
-            <a:normAutofit fontScale="85000" lnSpcReduction="20000"/>
-          </a:bodyPr>
-          <a:lstStyle>
-            <a:lvl1pPr marL="306000" indent="-306000" algn="l" defTabSz="457200" rtl="0" eaLnBrk="1" latinLnBrk="0" hangingPunct="1">
-              <a:spcBef>
-                <a:spcPct val="20000"/>
-              </a:spcBef>
-              <a:spcAft>
-                <a:spcPts val="600"/>
-              </a:spcAft>
-              <a:buClr>
-                <a:schemeClr val="accent2"/>
-              </a:buClr>
-              <a:buSzPct val="92000"/>
-              <a:buFont typeface="Wingdings 2" panose="05020102010507070707" pitchFamily="18" charset="2"/>
-              <a:buChar char=""/>
-              <a:defRPr sz="1800" kern="1200">
-                <a:solidFill>
-                  <a:schemeClr val="tx2"/>
-                </a:solidFill>
-                <a:latin typeface="+mn-lt"/>
-                <a:ea typeface="+mn-ea"/>
-                <a:cs typeface="+mn-cs"/>
-              </a:defRPr>
-            </a:lvl1pPr>
-            <a:lvl2pPr marL="630000" indent="-306000" algn="l" defTabSz="457200" rtl="0" eaLnBrk="1" latinLnBrk="0" hangingPunct="1">
-              <a:spcBef>
-                <a:spcPct val="20000"/>
-              </a:spcBef>
-              <a:spcAft>
-                <a:spcPts val="600"/>
-              </a:spcAft>
-              <a:buClr>
-                <a:schemeClr val="accent2"/>
-              </a:buClr>
-              <a:buSzPct val="92000"/>
-              <a:buFont typeface="Wingdings 2" panose="05020102010507070707" pitchFamily="18" charset="2"/>
-              <a:buChar char=""/>
-              <a:defRPr sz="1600" kern="1200">
-                <a:solidFill>
-                  <a:schemeClr val="tx2"/>
-                </a:solidFill>
-                <a:latin typeface="+mn-lt"/>
-                <a:ea typeface="+mn-ea"/>
-                <a:cs typeface="+mn-cs"/>
-              </a:defRPr>
-            </a:lvl2pPr>
-            <a:lvl3pPr marL="900000" indent="-270000" algn="l" defTabSz="457200" rtl="0" eaLnBrk="1" latinLnBrk="0" hangingPunct="1">
-              <a:spcBef>
-                <a:spcPct val="20000"/>
-              </a:spcBef>
-              <a:spcAft>
-                <a:spcPts val="600"/>
-              </a:spcAft>
-              <a:buClr>
-                <a:schemeClr val="accent2"/>
-              </a:buClr>
-              <a:buSzPct val="92000"/>
-              <a:buFont typeface="Wingdings 2" panose="05020102010507070707" pitchFamily="18" charset="2"/>
-              <a:buChar char=""/>
-              <a:defRPr sz="1400" kern="1200">
-                <a:solidFill>
-                  <a:schemeClr val="tx2"/>
-                </a:solidFill>
-                <a:latin typeface="+mn-lt"/>
-                <a:ea typeface="+mn-ea"/>
-                <a:cs typeface="+mn-cs"/>
-              </a:defRPr>
-            </a:lvl3pPr>
-            <a:lvl4pPr marL="1242000" indent="-234000" algn="l" defTabSz="457200" rtl="0" eaLnBrk="1" latinLnBrk="0" hangingPunct="1">
-              <a:spcBef>
-                <a:spcPct val="20000"/>
-              </a:spcBef>
-              <a:spcAft>
-                <a:spcPts val="600"/>
-              </a:spcAft>
-              <a:buClr>
-                <a:schemeClr val="accent2"/>
-              </a:buClr>
-              <a:buSzPct val="92000"/>
-              <a:buFont typeface="Wingdings 2" panose="05020102010507070707" pitchFamily="18" charset="2"/>
-              <a:buChar char=""/>
-              <a:defRPr sz="1200" kern="1200">
-                <a:solidFill>
-                  <a:schemeClr val="tx2"/>
-                </a:solidFill>
-                <a:latin typeface="+mn-lt"/>
-                <a:ea typeface="+mn-ea"/>
-                <a:cs typeface="+mn-cs"/>
-              </a:defRPr>
-            </a:lvl4pPr>
-            <a:lvl5pPr marL="1602000" indent="-234000" algn="l" defTabSz="457200" rtl="0" eaLnBrk="1" latinLnBrk="0" hangingPunct="1">
-              <a:spcBef>
-                <a:spcPct val="20000"/>
-              </a:spcBef>
-              <a:spcAft>
-                <a:spcPts val="600"/>
-              </a:spcAft>
-              <a:buClr>
-                <a:schemeClr val="accent2"/>
-              </a:buClr>
-              <a:buSzPct val="92000"/>
-              <a:buFont typeface="Wingdings 2" panose="05020102010507070707" pitchFamily="18" charset="2"/>
-              <a:buChar char=""/>
-              <a:defRPr sz="1200" kern="1200">
-                <a:solidFill>
-                  <a:schemeClr val="tx2"/>
-                </a:solidFill>
-                <a:latin typeface="+mn-lt"/>
-                <a:ea typeface="+mn-ea"/>
-                <a:cs typeface="+mn-cs"/>
-              </a:defRPr>
-            </a:lvl5pPr>
-            <a:lvl6pPr marL="1900000" indent="-228600" algn="l" defTabSz="457200" rtl="0" eaLnBrk="1" latinLnBrk="0" hangingPunct="1">
-              <a:spcBef>
-                <a:spcPct val="20000"/>
-              </a:spcBef>
-              <a:spcAft>
-                <a:spcPts val="600"/>
-              </a:spcAft>
-              <a:buClr>
-                <a:schemeClr val="accent2"/>
-              </a:buClr>
-              <a:buSzPct val="92000"/>
-              <a:buFont typeface="Wingdings 2" panose="05020102010507070707" pitchFamily="18" charset="2"/>
-              <a:buChar char=""/>
-              <a:defRPr sz="1200" kern="1200">
-                <a:solidFill>
-                  <a:schemeClr val="tx2"/>
-                </a:solidFill>
-                <a:latin typeface="+mn-lt"/>
-                <a:ea typeface="+mn-ea"/>
-                <a:cs typeface="+mn-cs"/>
-              </a:defRPr>
-            </a:lvl6pPr>
-            <a:lvl7pPr marL="2200000" indent="-228600" algn="l" defTabSz="457200" rtl="0" eaLnBrk="1" latinLnBrk="0" hangingPunct="1">
-              <a:spcBef>
-                <a:spcPct val="20000"/>
-              </a:spcBef>
-              <a:spcAft>
-                <a:spcPts val="600"/>
-              </a:spcAft>
-              <a:buClr>
-                <a:schemeClr val="accent2"/>
-              </a:buClr>
-              <a:buSzPct val="92000"/>
-              <a:buFont typeface="Wingdings 2" panose="05020102010507070707" pitchFamily="18" charset="2"/>
-              <a:buChar char=""/>
-              <a:defRPr sz="1200" kern="1200">
-                <a:solidFill>
-                  <a:schemeClr val="tx2"/>
-                </a:solidFill>
-                <a:latin typeface="+mn-lt"/>
-                <a:ea typeface="+mn-ea"/>
-                <a:cs typeface="+mn-cs"/>
-              </a:defRPr>
-            </a:lvl7pPr>
-            <a:lvl8pPr marL="2500000" indent="-228600" algn="l" defTabSz="457200" rtl="0" eaLnBrk="1" latinLnBrk="0" hangingPunct="1">
-              <a:spcBef>
-                <a:spcPct val="20000"/>
-              </a:spcBef>
-              <a:spcAft>
-                <a:spcPts val="600"/>
-              </a:spcAft>
-              <a:buClr>
-                <a:schemeClr val="accent2"/>
-              </a:buClr>
-              <a:buSzPct val="92000"/>
-              <a:buFont typeface="Wingdings 2" panose="05020102010507070707" pitchFamily="18" charset="2"/>
-              <a:buChar char=""/>
-              <a:defRPr sz="1200" kern="1200">
-                <a:solidFill>
-                  <a:schemeClr val="tx2"/>
-                </a:solidFill>
-                <a:latin typeface="+mn-lt"/>
-                <a:ea typeface="+mn-ea"/>
-                <a:cs typeface="+mn-cs"/>
-              </a:defRPr>
-            </a:lvl8pPr>
-            <a:lvl9pPr marL="2800000" indent="-228600" algn="l" defTabSz="457200" rtl="0" eaLnBrk="1" latinLnBrk="0" hangingPunct="1">
-              <a:spcBef>
-                <a:spcPct val="20000"/>
-              </a:spcBef>
-              <a:spcAft>
-                <a:spcPts val="600"/>
-              </a:spcAft>
-              <a:buClr>
-                <a:schemeClr val="accent2"/>
-              </a:buClr>
-              <a:buSzPct val="92000"/>
-              <a:buFont typeface="Wingdings 2" panose="05020102010507070707" pitchFamily="18" charset="2"/>
-              <a:buChar char=""/>
-              <a:defRPr sz="1200" kern="1200">
-                <a:solidFill>
-                  <a:schemeClr val="tx2"/>
-                </a:solidFill>
-                <a:latin typeface="+mn-lt"/>
-                <a:ea typeface="+mn-ea"/>
-                <a:cs typeface="+mn-cs"/>
-              </a:defRPr>
-            </a:lvl9pPr>
-          </a:lstStyle>
-          <a:p>
-            <a:r>
-              <a:rPr lang="en-US" dirty="0" smtClean="0"/>
-              <a:t>Back end</a:t>
-            </a:r>
-          </a:p>
-          <a:p>
-            <a:pPr lvl="1"/>
-            <a:r>
-              <a:rPr lang="en-US" dirty="0" smtClean="0"/>
-              <a:t>Web server, for example Apache, </a:t>
-            </a:r>
-            <a:r>
-              <a:rPr lang="en-US" dirty="0" err="1" smtClean="0"/>
-              <a:t>Websphere</a:t>
-            </a:r>
-            <a:r>
-              <a:rPr lang="en-US" dirty="0" smtClean="0"/>
-              <a:t>, IIE, which handles requests for documents</a:t>
-            </a:r>
-          </a:p>
-          <a:p>
-            <a:pPr lvl="1"/>
-            <a:r>
-              <a:rPr lang="en-US" dirty="0" smtClean="0"/>
-              <a:t>Database server, for example MySQL, Oracle, MS SQL Server, Mongo, which handle requests for data</a:t>
-            </a:r>
-          </a:p>
-          <a:p>
-            <a:pPr lvl="1"/>
-            <a:endParaRPr lang="en-US" dirty="0" smtClean="0"/>
-          </a:p>
-        </p:txBody>
-      </p:sp>
-      <p:sp>
-        <p:nvSpPr>
-          <p:cNvPr id="6" name="Content Placeholder 2"/>
-          <p:cNvSpPr txBox="1">
-            <a:spLocks/>
-          </p:cNvSpPr>
-          <p:nvPr/>
-        </p:nvSpPr>
-        <p:spPr>
-          <a:xfrm>
-            <a:off x="408197" y="4077729"/>
-            <a:ext cx="11029615" cy="1565189"/>
-          </a:xfrm>
-          <a:prstGeom prst="rect">
-            <a:avLst/>
-          </a:prstGeom>
-        </p:spPr>
-        <p:txBody>
-          <a:bodyPr vert="horz" lIns="91440" tIns="45720" rIns="91440" bIns="45720" rtlCol="0" anchor="ctr">
-            <a:normAutofit fontScale="25000" lnSpcReduction="20000"/>
-          </a:bodyPr>
-          <a:lstStyle>
-            <a:lvl1pPr marL="306000" indent="-306000" algn="l" defTabSz="457200" rtl="0" eaLnBrk="1" latinLnBrk="0" hangingPunct="1">
-              <a:spcBef>
-                <a:spcPct val="20000"/>
-              </a:spcBef>
-              <a:spcAft>
-                <a:spcPts val="600"/>
-              </a:spcAft>
-              <a:buClr>
-                <a:schemeClr val="accent2"/>
-              </a:buClr>
-              <a:buSzPct val="92000"/>
-              <a:buFont typeface="Wingdings 2" panose="05020102010507070707" pitchFamily="18" charset="2"/>
-              <a:buChar char=""/>
-              <a:defRPr sz="1800" kern="1200">
-                <a:solidFill>
-                  <a:schemeClr val="tx2"/>
-                </a:solidFill>
-                <a:latin typeface="+mn-lt"/>
-                <a:ea typeface="+mn-ea"/>
-                <a:cs typeface="+mn-cs"/>
-              </a:defRPr>
-            </a:lvl1pPr>
-            <a:lvl2pPr marL="630000" indent="-306000" algn="l" defTabSz="457200" rtl="0" eaLnBrk="1" latinLnBrk="0" hangingPunct="1">
-              <a:spcBef>
-                <a:spcPct val="20000"/>
-              </a:spcBef>
-              <a:spcAft>
-                <a:spcPts val="600"/>
-              </a:spcAft>
-              <a:buClr>
-                <a:schemeClr val="accent2"/>
-              </a:buClr>
-              <a:buSzPct val="92000"/>
-              <a:buFont typeface="Wingdings 2" panose="05020102010507070707" pitchFamily="18" charset="2"/>
-              <a:buChar char=""/>
-              <a:defRPr sz="1600" kern="1200">
-                <a:solidFill>
-                  <a:schemeClr val="tx2"/>
-                </a:solidFill>
-                <a:latin typeface="+mn-lt"/>
-                <a:ea typeface="+mn-ea"/>
-                <a:cs typeface="+mn-cs"/>
-              </a:defRPr>
-            </a:lvl2pPr>
-            <a:lvl3pPr marL="900000" indent="-270000" algn="l" defTabSz="457200" rtl="0" eaLnBrk="1" latinLnBrk="0" hangingPunct="1">
-              <a:spcBef>
-                <a:spcPct val="20000"/>
-              </a:spcBef>
-              <a:spcAft>
-                <a:spcPts val="600"/>
-              </a:spcAft>
-              <a:buClr>
-                <a:schemeClr val="accent2"/>
-              </a:buClr>
-              <a:buSzPct val="92000"/>
-              <a:buFont typeface="Wingdings 2" panose="05020102010507070707" pitchFamily="18" charset="2"/>
-              <a:buChar char=""/>
-              <a:defRPr sz="1400" kern="1200">
-                <a:solidFill>
-                  <a:schemeClr val="tx2"/>
-                </a:solidFill>
-                <a:latin typeface="+mn-lt"/>
-                <a:ea typeface="+mn-ea"/>
-                <a:cs typeface="+mn-cs"/>
-              </a:defRPr>
-            </a:lvl3pPr>
-            <a:lvl4pPr marL="1242000" indent="-234000" algn="l" defTabSz="457200" rtl="0" eaLnBrk="1" latinLnBrk="0" hangingPunct="1">
-              <a:spcBef>
-                <a:spcPct val="20000"/>
-              </a:spcBef>
-              <a:spcAft>
-                <a:spcPts val="600"/>
-              </a:spcAft>
-              <a:buClr>
-                <a:schemeClr val="accent2"/>
-              </a:buClr>
-              <a:buSzPct val="92000"/>
-              <a:buFont typeface="Wingdings 2" panose="05020102010507070707" pitchFamily="18" charset="2"/>
-              <a:buChar char=""/>
-              <a:defRPr sz="1200" kern="1200">
-                <a:solidFill>
-                  <a:schemeClr val="tx2"/>
-                </a:solidFill>
-                <a:latin typeface="+mn-lt"/>
-                <a:ea typeface="+mn-ea"/>
-                <a:cs typeface="+mn-cs"/>
-              </a:defRPr>
-            </a:lvl4pPr>
-            <a:lvl5pPr marL="1602000" indent="-234000" algn="l" defTabSz="457200" rtl="0" eaLnBrk="1" latinLnBrk="0" hangingPunct="1">
-              <a:spcBef>
-                <a:spcPct val="20000"/>
-              </a:spcBef>
-              <a:spcAft>
-                <a:spcPts val="600"/>
-              </a:spcAft>
-              <a:buClr>
-                <a:schemeClr val="accent2"/>
-              </a:buClr>
-              <a:buSzPct val="92000"/>
-              <a:buFont typeface="Wingdings 2" panose="05020102010507070707" pitchFamily="18" charset="2"/>
-              <a:buChar char=""/>
-              <a:defRPr sz="1200" kern="1200">
-                <a:solidFill>
-                  <a:schemeClr val="tx2"/>
-                </a:solidFill>
-                <a:latin typeface="+mn-lt"/>
-                <a:ea typeface="+mn-ea"/>
-                <a:cs typeface="+mn-cs"/>
-              </a:defRPr>
-            </a:lvl5pPr>
-            <a:lvl6pPr marL="1900000" indent="-228600" algn="l" defTabSz="457200" rtl="0" eaLnBrk="1" latinLnBrk="0" hangingPunct="1">
-              <a:spcBef>
-                <a:spcPct val="20000"/>
-              </a:spcBef>
-              <a:spcAft>
-                <a:spcPts val="600"/>
-              </a:spcAft>
-              <a:buClr>
-                <a:schemeClr val="accent2"/>
-              </a:buClr>
-              <a:buSzPct val="92000"/>
-              <a:buFont typeface="Wingdings 2" panose="05020102010507070707" pitchFamily="18" charset="2"/>
-              <a:buChar char=""/>
-              <a:defRPr sz="1200" kern="1200">
-                <a:solidFill>
-                  <a:schemeClr val="tx2"/>
-                </a:solidFill>
-                <a:latin typeface="+mn-lt"/>
-                <a:ea typeface="+mn-ea"/>
-                <a:cs typeface="+mn-cs"/>
-              </a:defRPr>
-            </a:lvl6pPr>
-            <a:lvl7pPr marL="2200000" indent="-228600" algn="l" defTabSz="457200" rtl="0" eaLnBrk="1" latinLnBrk="0" hangingPunct="1">
-              <a:spcBef>
-                <a:spcPct val="20000"/>
-              </a:spcBef>
-              <a:spcAft>
-                <a:spcPts val="600"/>
-              </a:spcAft>
-              <a:buClr>
-                <a:schemeClr val="accent2"/>
-              </a:buClr>
-              <a:buSzPct val="92000"/>
-              <a:buFont typeface="Wingdings 2" panose="05020102010507070707" pitchFamily="18" charset="2"/>
-              <a:buChar char=""/>
-              <a:defRPr sz="1200" kern="1200">
-                <a:solidFill>
-                  <a:schemeClr val="tx2"/>
-                </a:solidFill>
-                <a:latin typeface="+mn-lt"/>
-                <a:ea typeface="+mn-ea"/>
-                <a:cs typeface="+mn-cs"/>
-              </a:defRPr>
-            </a:lvl7pPr>
-            <a:lvl8pPr marL="2500000" indent="-228600" algn="l" defTabSz="457200" rtl="0" eaLnBrk="1" latinLnBrk="0" hangingPunct="1">
-              <a:spcBef>
-                <a:spcPct val="20000"/>
-              </a:spcBef>
-              <a:spcAft>
-                <a:spcPts val="600"/>
-              </a:spcAft>
-              <a:buClr>
-                <a:schemeClr val="accent2"/>
-              </a:buClr>
-              <a:buSzPct val="92000"/>
-              <a:buFont typeface="Wingdings 2" panose="05020102010507070707" pitchFamily="18" charset="2"/>
-              <a:buChar char=""/>
-              <a:defRPr sz="1200" kern="1200">
-                <a:solidFill>
-                  <a:schemeClr val="tx2"/>
-                </a:solidFill>
-                <a:latin typeface="+mn-lt"/>
-                <a:ea typeface="+mn-ea"/>
-                <a:cs typeface="+mn-cs"/>
-              </a:defRPr>
-            </a:lvl8pPr>
-            <a:lvl9pPr marL="2800000" indent="-228600" algn="l" defTabSz="457200" rtl="0" eaLnBrk="1" latinLnBrk="0" hangingPunct="1">
-              <a:spcBef>
-                <a:spcPct val="20000"/>
-              </a:spcBef>
-              <a:spcAft>
-                <a:spcPts val="600"/>
-              </a:spcAft>
-              <a:buClr>
-                <a:schemeClr val="accent2"/>
-              </a:buClr>
-              <a:buSzPct val="92000"/>
-              <a:buFont typeface="Wingdings 2" panose="05020102010507070707" pitchFamily="18" charset="2"/>
-              <a:buChar char=""/>
-              <a:defRPr sz="1200" kern="1200">
-                <a:solidFill>
-                  <a:schemeClr val="tx2"/>
-                </a:solidFill>
-                <a:latin typeface="+mn-lt"/>
-                <a:ea typeface="+mn-ea"/>
-                <a:cs typeface="+mn-cs"/>
-              </a:defRPr>
-            </a:lvl9pPr>
-          </a:lstStyle>
-          <a:p>
-            <a:r>
-              <a:rPr lang="en-US" sz="5600" dirty="0" smtClean="0"/>
-              <a:t>Middle Tier</a:t>
-            </a:r>
-          </a:p>
-          <a:p>
-            <a:pPr lvl="1"/>
-            <a:r>
-              <a:rPr lang="en-US" sz="5600" dirty="0" smtClean="0"/>
-              <a:t>Controlling programs that coordinate communication between the backend and the front end</a:t>
-            </a:r>
-          </a:p>
-          <a:p>
-            <a:pPr lvl="2"/>
-            <a:r>
-              <a:rPr lang="en-US" sz="5600" dirty="0" smtClean="0"/>
-              <a:t>Java</a:t>
-            </a:r>
-          </a:p>
-          <a:p>
-            <a:pPr lvl="2"/>
-            <a:r>
-              <a:rPr lang="en-US" sz="5600" dirty="0" smtClean="0"/>
-              <a:t>Python</a:t>
-            </a:r>
-          </a:p>
-          <a:p>
-            <a:pPr lvl="2"/>
-            <a:r>
-              <a:rPr lang="en-US" sz="5600" dirty="0" smtClean="0"/>
-              <a:t>PHP</a:t>
-            </a:r>
-          </a:p>
-          <a:p>
-            <a:pPr lvl="1"/>
-            <a:endParaRPr lang="en-US" dirty="0" smtClean="0"/>
-          </a:p>
-        </p:txBody>
-      </p:sp>
-    </p:spTree>
-    <p:extLst>
-      <p:ext uri="{BB962C8B-B14F-4D97-AF65-F5344CB8AC3E}">
-        <p14:creationId xmlns:p14="http://schemas.microsoft.com/office/powerpoint/2010/main" val="680964017"/>
-      </p:ext>
-    </p:extLst>
-  </p:cSld>
-  <p:clrMapOvr>
-    <a:masterClrMapping/>
-  </p:clrMapOvr>
-  <p:timing>
-    <p:tnLst>
-      <p:par>
-        <p:cTn xmlns:p14="http://schemas.microsoft.com/office/powerpoint/2010/main" id="1" dur="indefinite" restart="never" nodeType="tmRoot"/>
-      </p:par>
-    </p:tnLst>
-  </p:timing>
-</p:sld>
-</file>
-
-<file path=ppt/slides/slide20.xml><?xml version="1.0" encoding="utf-8"?>
-<p:sld xmlns:a="http://schemas.openxmlformats.org/drawingml/2006/main" xmlns:r="http://schemas.openxmlformats.org/officeDocument/2006/relationships" xmlns:p="http://schemas.openxmlformats.org/presentationml/2006/main">
-  <p:cSld>
-    <p:spTree>
-      <p:nvGrpSpPr>
-        <p:cNvPr id="1" name=""/>
-        <p:cNvGrpSpPr/>
-        <p:nvPr/>
-      </p:nvGrpSpPr>
-      <p:grpSpPr>
-        <a:xfrm>
-          <a:off x="0" y="0"/>
-          <a:ext cx="0" cy="0"/>
-          <a:chOff x="0" y="0"/>
-          <a:chExt cx="0" cy="0"/>
-        </a:xfrm>
-      </p:grpSpPr>
-      <p:sp>
-        <p:nvSpPr>
-          <p:cNvPr id="2" name="Title 1"/>
-          <p:cNvSpPr>
-            <a:spLocks noGrp="1"/>
-          </p:cNvSpPr>
-          <p:nvPr>
-            <p:ph type="title"/>
-          </p:nvPr>
-        </p:nvSpPr>
-        <p:spPr/>
-        <p:txBody>
-          <a:bodyPr/>
-          <a:lstStyle/>
-          <a:p>
-            <a:r>
-              <a:rPr lang="en-US" dirty="0" smtClean="0"/>
-              <a:t>Fixed Layouts</a:t>
-            </a:r>
-            <a:endParaRPr lang="en-US" dirty="0"/>
-          </a:p>
-        </p:txBody>
-      </p:sp>
-      <p:sp>
-        <p:nvSpPr>
-          <p:cNvPr id="3" name="Content Placeholder 2"/>
-          <p:cNvSpPr>
-            <a:spLocks noGrp="1"/>
-          </p:cNvSpPr>
-          <p:nvPr>
-            <p:ph idx="1"/>
-          </p:nvPr>
-        </p:nvSpPr>
-        <p:spPr>
-          <a:xfrm>
-            <a:off x="581192" y="2180497"/>
-            <a:ext cx="11029615" cy="2684112"/>
-          </a:xfrm>
-        </p:spPr>
-        <p:txBody>
-          <a:bodyPr>
-            <a:normAutofit/>
-          </a:bodyPr>
-          <a:lstStyle/>
-          <a:p>
-            <a:pPr marL="0" indent="0">
-              <a:buNone/>
-            </a:pPr>
-            <a:r>
-              <a:rPr lang="en-US" sz="2000" dirty="0" smtClean="0"/>
-              <a:t>“A </a:t>
-            </a:r>
-            <a:r>
-              <a:rPr lang="en-US" sz="2000" dirty="0"/>
-              <a:t>fixed website layout has a wrapper that is a fixed width, and the components inside it have either percentage widths or fixed widths. The important thing is that the container (wrapper) element is set to not move. No matter what screen resolution the visitor has, he or she will see the same width as other visitors</a:t>
-            </a:r>
-            <a:r>
-              <a:rPr lang="en-US" sz="2000" dirty="0" smtClean="0"/>
-              <a:t>.”</a:t>
-            </a:r>
-            <a:endParaRPr lang="en-US" sz="2000" dirty="0"/>
-          </a:p>
-          <a:p>
-            <a:pPr marL="0" indent="0">
-              <a:buNone/>
-            </a:pPr>
-            <a:r>
-              <a:rPr lang="en-US" sz="2000" dirty="0" smtClean="0"/>
-              <a:t>http</a:t>
-            </a:r>
-            <a:r>
-              <a:rPr lang="en-US" sz="2000" dirty="0"/>
-              <a:t>://www.smashingmagazine.com/2009/06/fixed-vs-fluid-vs-elastic-layout-whats-the-right-one-for-you/</a:t>
-            </a:r>
-          </a:p>
-        </p:txBody>
-      </p:sp>
-    </p:spTree>
-    <p:extLst>
-      <p:ext uri="{BB962C8B-B14F-4D97-AF65-F5344CB8AC3E}">
-        <p14:creationId xmlns:p14="http://schemas.microsoft.com/office/powerpoint/2010/main" val="1033085774"/>
-      </p:ext>
-    </p:extLst>
-  </p:cSld>
-  <p:clrMapOvr>
-    <a:masterClrMapping/>
-  </p:clrMapOvr>
-  <p:timing>
-    <p:tnLst>
-      <p:par>
-        <p:cTn xmlns:p14="http://schemas.microsoft.com/office/powerpoint/2010/main" id="1" dur="indefinite" restart="never" nodeType="tmRoot"/>
-      </p:par>
-    </p:tnLst>
-  </p:timing>
-</p:sld>
-</file>
-
 <file path=ppt/slides/slide21.xml><?xml version="1.0" encoding="utf-8"?>
 <p:sld xmlns:a="http://schemas.openxmlformats.org/drawingml/2006/main" xmlns:r="http://schemas.openxmlformats.org/officeDocument/2006/relationships" xmlns:p="http://schemas.openxmlformats.org/presentationml/2006/main">
   <p:cSld>
@@ -6917,7 +7089,7 @@
           <a:p>
             <a:r>
               <a:rPr lang="en-US" dirty="0" smtClean="0"/>
-              <a:t>Fixed Layout Pros and Cons</a:t>
+              <a:t>Display Inline-Block</a:t>
             </a:r>
             <a:endParaRPr lang="en-US" dirty="0"/>
           </a:p>
@@ -6933,78 +7105,27 @@
             <p:ph idx="1"/>
           </p:nvPr>
         </p:nvSpPr>
-        <p:spPr>
-          <a:xfrm>
-            <a:off x="581192" y="2180496"/>
-            <a:ext cx="11029615" cy="4549488"/>
-          </a:xfrm>
-        </p:spPr>
-        <p:txBody>
-          <a:bodyPr>
-            <a:normAutofit fontScale="92500" lnSpcReduction="10000"/>
-          </a:bodyPr>
+        <p:spPr/>
+        <p:txBody>
+          <a:bodyPr/>
           <a:lstStyle/>
           <a:p>
             <a:r>
-              <a:rPr lang="en-US" b="1" dirty="0" smtClean="0"/>
-              <a:t>Pros</a:t>
-            </a:r>
-            <a:endParaRPr lang="en-US" b="1" dirty="0"/>
-          </a:p>
-          <a:p>
-            <a:r>
-              <a:rPr lang="en-US" dirty="0"/>
-              <a:t>Fixed-width layouts are much easier to use and easier to customize in terms of design.</a:t>
-            </a:r>
-          </a:p>
-          <a:p>
-            <a:r>
-              <a:rPr lang="en-US" dirty="0"/>
-              <a:t>Widths are the same for every browser, so there is less hassle with images, forms, video and other content that are fixed-width.</a:t>
-            </a:r>
-          </a:p>
-          <a:p>
-            <a:r>
-              <a:rPr lang="en-US" dirty="0"/>
-              <a:t>There is no need for min-width or max-width, which isn’t supported by every browser anyway.</a:t>
-            </a:r>
-          </a:p>
-          <a:p>
-            <a:r>
-              <a:rPr lang="en-US" dirty="0"/>
-              <a:t>Even if a website is designed to be compatible with the smallest screen resolution, 800×600, the content will still be wide enough at a larger resolution to be easily legible.</a:t>
-            </a:r>
-          </a:p>
-          <a:p>
-            <a:r>
-              <a:rPr lang="en-US" b="1" dirty="0" smtClean="0"/>
-              <a:t>Cons</a:t>
-            </a:r>
-            <a:endParaRPr lang="en-US" b="1" dirty="0"/>
-          </a:p>
-          <a:p>
-            <a:r>
-              <a:rPr lang="en-US" dirty="0"/>
-              <a:t>A fixed-width layout may create excessive white space for users with larger screen resolutions, thus upsetting “divine proportion,” the “Rule of Thirds,” overall balance and other design principles.</a:t>
-            </a:r>
-          </a:p>
-          <a:p>
-            <a:r>
-              <a:rPr lang="en-US" dirty="0"/>
-              <a:t>Smaller screen resolutions may require a horizontal scroll bar, depending the fixed layout’s width.</a:t>
-            </a:r>
-          </a:p>
-          <a:p>
-            <a:r>
-              <a:rPr lang="en-US" dirty="0"/>
-              <a:t>Seamless textures, patterns and image continuation are needed to accommodate those with larger resolutions.</a:t>
-            </a:r>
-          </a:p>
-          <a:p>
-            <a:r>
-              <a:rPr lang="en-US" dirty="0"/>
-              <a:t>Fixed-width layouts generally have a lower overall score when it comes to usability.</a:t>
-            </a:r>
+              <a:rPr lang="en-US" dirty="0" smtClean="0"/>
+              <a:t>Block elements can be given the inline-block display style, which allows them to be placed side by side in a line, while also allowing height property to be set.</a:t>
+            </a:r>
+          </a:p>
+          <a:p>
+            <a:endParaRPr lang="en-US" dirty="0"/>
+          </a:p>
+          <a:p>
+            <a:endParaRPr lang="en-US" dirty="0" smtClean="0"/>
+          </a:p>
+          <a:p>
+            <a:endParaRPr lang="en-US" dirty="0"/>
+          </a:p>
+          <a:p>
+            <a:endParaRPr lang="en-US" dirty="0" smtClean="0"/>
           </a:p>
           <a:p>
             <a:endParaRPr lang="en-US" dirty="0"/>
@@ -7014,7 +7135,7 @@
     </p:spTree>
     <p:extLst>
       <p:ext uri="{BB962C8B-B14F-4D97-AF65-F5344CB8AC3E}">
-        <p14:creationId xmlns:p14="http://schemas.microsoft.com/office/powerpoint/2010/main" val="1346584537"/>
+        <p14:creationId xmlns:p14="http://schemas.microsoft.com/office/powerpoint/2010/main" val="2822280006"/>
       </p:ext>
     </p:extLst>
   </p:cSld>
@@ -7064,6 +7185,340 @@
           <a:lstStyle/>
           <a:p>
             <a:r>
+              <a:rPr lang="en-US" dirty="0" smtClean="0"/>
+              <a:t>Inline block example</a:t>
+            </a:r>
+            <a:endParaRPr lang="en-US" dirty="0"/>
+          </a:p>
+        </p:txBody>
+      </p:sp>
+      <p:sp>
+        <p:nvSpPr>
+          <p:cNvPr id="3" name="Content Placeholder 2"/>
+          <p:cNvSpPr>
+            <a:spLocks noGrp="1"/>
+          </p:cNvSpPr>
+          <p:nvPr>
+            <p:ph idx="1"/>
+          </p:nvPr>
+        </p:nvSpPr>
+        <p:spPr/>
+        <p:txBody>
+          <a:bodyPr/>
+          <a:lstStyle/>
+          <a:p>
+            <a:endParaRPr lang="en-US" dirty="0"/>
+          </a:p>
+        </p:txBody>
+      </p:sp>
+    </p:spTree>
+    <p:extLst>
+      <p:ext uri="{BB962C8B-B14F-4D97-AF65-F5344CB8AC3E}">
+        <p14:creationId xmlns:p14="http://schemas.microsoft.com/office/powerpoint/2010/main" val="3180936705"/>
+      </p:ext>
+    </p:extLst>
+  </p:cSld>
+  <p:clrMapOvr>
+    <a:masterClrMapping/>
+  </p:clrMapOvr>
+</p:sld>
+</file>
+
+<file path=ppt/slides/slide23.xml><?xml version="1.0" encoding="utf-8"?>
+<p:sld xmlns:a="http://schemas.openxmlformats.org/drawingml/2006/main" xmlns:r="http://schemas.openxmlformats.org/officeDocument/2006/relationships" xmlns:p="http://schemas.openxmlformats.org/presentationml/2006/main">
+  <p:cSld>
+    <p:spTree>
+      <p:nvGrpSpPr>
+        <p:cNvPr id="1" name=""/>
+        <p:cNvGrpSpPr/>
+        <p:nvPr/>
+      </p:nvGrpSpPr>
+      <p:grpSpPr>
+        <a:xfrm>
+          <a:off x="0" y="0"/>
+          <a:ext cx="0" cy="0"/>
+          <a:chOff x="0" y="0"/>
+          <a:chExt cx="0" cy="0"/>
+        </a:xfrm>
+      </p:grpSpPr>
+      <p:sp>
+        <p:nvSpPr>
+          <p:cNvPr id="2" name="Title 1"/>
+          <p:cNvSpPr>
+            <a:spLocks noGrp="1"/>
+          </p:cNvSpPr>
+          <p:nvPr>
+            <p:ph type="title"/>
+          </p:nvPr>
+        </p:nvSpPr>
+        <p:spPr/>
+        <p:txBody>
+          <a:bodyPr/>
+          <a:lstStyle/>
+          <a:p>
+            <a:r>
+              <a:rPr lang="en-US" dirty="0" smtClean="0"/>
+              <a:t>Fixed Layouts</a:t>
+            </a:r>
+            <a:endParaRPr lang="en-US" dirty="0"/>
+          </a:p>
+        </p:txBody>
+      </p:sp>
+      <p:sp>
+        <p:nvSpPr>
+          <p:cNvPr id="3" name="Content Placeholder 2"/>
+          <p:cNvSpPr>
+            <a:spLocks noGrp="1"/>
+          </p:cNvSpPr>
+          <p:nvPr>
+            <p:ph idx="1"/>
+          </p:nvPr>
+        </p:nvSpPr>
+        <p:spPr>
+          <a:xfrm>
+            <a:off x="581192" y="2180497"/>
+            <a:ext cx="11029615" cy="2684112"/>
+          </a:xfrm>
+        </p:spPr>
+        <p:txBody>
+          <a:bodyPr>
+            <a:normAutofit/>
+          </a:bodyPr>
+          <a:lstStyle/>
+          <a:p>
+            <a:pPr marL="0" indent="0">
+              <a:buNone/>
+            </a:pPr>
+            <a:r>
+              <a:rPr lang="en-US" sz="2000" dirty="0" smtClean="0"/>
+              <a:t>“A </a:t>
+            </a:r>
+            <a:r>
+              <a:rPr lang="en-US" sz="2000" dirty="0"/>
+              <a:t>fixed website layout has a wrapper that is a fixed width, and the components inside it have either percentage widths or fixed widths. The important thing is that the container (wrapper) element is set to not move. No matter what screen resolution the visitor has, he or she will see the same width as other visitors</a:t>
+            </a:r>
+            <a:r>
+              <a:rPr lang="en-US" sz="2000" dirty="0" smtClean="0"/>
+              <a:t>.”</a:t>
+            </a:r>
+            <a:endParaRPr lang="en-US" sz="2000" dirty="0"/>
+          </a:p>
+          <a:p>
+            <a:pPr marL="0" indent="0">
+              <a:buNone/>
+            </a:pPr>
+            <a:r>
+              <a:rPr lang="en-US" sz="2000" dirty="0" smtClean="0"/>
+              <a:t>http</a:t>
+            </a:r>
+            <a:r>
+              <a:rPr lang="en-US" sz="2000" dirty="0"/>
+              <a:t>://www.smashingmagazine.com/2009/06/fixed-vs-fluid-vs-elastic-layout-whats-the-right-one-for-you/</a:t>
+            </a:r>
+          </a:p>
+        </p:txBody>
+      </p:sp>
+    </p:spTree>
+    <p:extLst>
+      <p:ext uri="{BB962C8B-B14F-4D97-AF65-F5344CB8AC3E}">
+        <p14:creationId xmlns:p14="http://schemas.microsoft.com/office/powerpoint/2010/main" val="1033085774"/>
+      </p:ext>
+    </p:extLst>
+  </p:cSld>
+  <p:clrMapOvr>
+    <a:masterClrMapping/>
+  </p:clrMapOvr>
+  <p:timing>
+    <p:tnLst>
+      <p:par>
+        <p:cTn xmlns:p14="http://schemas.microsoft.com/office/powerpoint/2010/main" id="1" dur="indefinite" restart="never" nodeType="tmRoot"/>
+      </p:par>
+    </p:tnLst>
+  </p:timing>
+</p:sld>
+</file>
+
+<file path=ppt/slides/slide24.xml><?xml version="1.0" encoding="utf-8"?>
+<p:sld xmlns:a="http://schemas.openxmlformats.org/drawingml/2006/main" xmlns:r="http://schemas.openxmlformats.org/officeDocument/2006/relationships" xmlns:p="http://schemas.openxmlformats.org/presentationml/2006/main">
+  <p:cSld>
+    <p:spTree>
+      <p:nvGrpSpPr>
+        <p:cNvPr id="1" name=""/>
+        <p:cNvGrpSpPr/>
+        <p:nvPr/>
+      </p:nvGrpSpPr>
+      <p:grpSpPr>
+        <a:xfrm>
+          <a:off x="0" y="0"/>
+          <a:ext cx="0" cy="0"/>
+          <a:chOff x="0" y="0"/>
+          <a:chExt cx="0" cy="0"/>
+        </a:xfrm>
+      </p:grpSpPr>
+      <p:sp>
+        <p:nvSpPr>
+          <p:cNvPr id="2" name="Title 1"/>
+          <p:cNvSpPr>
+            <a:spLocks noGrp="1"/>
+          </p:cNvSpPr>
+          <p:nvPr>
+            <p:ph type="title"/>
+          </p:nvPr>
+        </p:nvSpPr>
+        <p:spPr/>
+        <p:txBody>
+          <a:bodyPr/>
+          <a:lstStyle/>
+          <a:p>
+            <a:r>
+              <a:rPr lang="en-US" dirty="0" smtClean="0"/>
+              <a:t>Fixed Layout Pros and Cons</a:t>
+            </a:r>
+            <a:endParaRPr lang="en-US" dirty="0"/>
+          </a:p>
+        </p:txBody>
+      </p:sp>
+      <p:sp>
+        <p:nvSpPr>
+          <p:cNvPr id="3" name="Content Placeholder 2"/>
+          <p:cNvSpPr>
+            <a:spLocks noGrp="1"/>
+          </p:cNvSpPr>
+          <p:nvPr>
+            <p:ph idx="1"/>
+          </p:nvPr>
+        </p:nvSpPr>
+        <p:spPr>
+          <a:xfrm>
+            <a:off x="581192" y="2180496"/>
+            <a:ext cx="11029615" cy="4549488"/>
+          </a:xfrm>
+        </p:spPr>
+        <p:txBody>
+          <a:bodyPr>
+            <a:normAutofit fontScale="92500" lnSpcReduction="10000"/>
+          </a:bodyPr>
+          <a:lstStyle/>
+          <a:p>
+            <a:r>
+              <a:rPr lang="en-US" b="1" dirty="0" smtClean="0"/>
+              <a:t>Pros</a:t>
+            </a:r>
+            <a:endParaRPr lang="en-US" b="1" dirty="0"/>
+          </a:p>
+          <a:p>
+            <a:r>
+              <a:rPr lang="en-US" dirty="0"/>
+              <a:t>Fixed-width layouts are much easier to use and easier to customize in terms of design.</a:t>
+            </a:r>
+          </a:p>
+          <a:p>
+            <a:r>
+              <a:rPr lang="en-US" dirty="0"/>
+              <a:t>Widths are the same for every browser, so there is less hassle with images, forms, video and other content that are fixed-width.</a:t>
+            </a:r>
+          </a:p>
+          <a:p>
+            <a:r>
+              <a:rPr lang="en-US" dirty="0"/>
+              <a:t>There is no need for min-width or max-width, which isn’t supported by every browser anyway.</a:t>
+            </a:r>
+          </a:p>
+          <a:p>
+            <a:r>
+              <a:rPr lang="en-US" dirty="0"/>
+              <a:t>Even if a website is designed to be compatible with the smallest screen resolution, 800×600, the content will still be wide enough at a larger resolution to be easily legible.</a:t>
+            </a:r>
+          </a:p>
+          <a:p>
+            <a:r>
+              <a:rPr lang="en-US" b="1" dirty="0" smtClean="0"/>
+              <a:t>Cons</a:t>
+            </a:r>
+            <a:endParaRPr lang="en-US" b="1" dirty="0"/>
+          </a:p>
+          <a:p>
+            <a:r>
+              <a:rPr lang="en-US" dirty="0"/>
+              <a:t>A fixed-width layout may create excessive white space for users with larger screen resolutions, thus upsetting “divine proportion,” the “Rule of Thirds,” overall balance and other design principles.</a:t>
+            </a:r>
+          </a:p>
+          <a:p>
+            <a:r>
+              <a:rPr lang="en-US" dirty="0"/>
+              <a:t>Smaller screen resolutions may require a horizontal scroll bar, depending the fixed layout’s width.</a:t>
+            </a:r>
+          </a:p>
+          <a:p>
+            <a:r>
+              <a:rPr lang="en-US" dirty="0"/>
+              <a:t>Seamless textures, patterns and image continuation are needed to accommodate those with larger resolutions.</a:t>
+            </a:r>
+          </a:p>
+          <a:p>
+            <a:r>
+              <a:rPr lang="en-US" dirty="0"/>
+              <a:t>Fixed-width layouts generally have a lower overall score when it comes to usability.</a:t>
+            </a:r>
+          </a:p>
+          <a:p>
+            <a:endParaRPr lang="en-US" dirty="0"/>
+          </a:p>
+        </p:txBody>
+      </p:sp>
+    </p:spTree>
+    <p:extLst>
+      <p:ext uri="{BB962C8B-B14F-4D97-AF65-F5344CB8AC3E}">
+        <p14:creationId xmlns:p14="http://schemas.microsoft.com/office/powerpoint/2010/main" val="1346584537"/>
+      </p:ext>
+    </p:extLst>
+  </p:cSld>
+  <p:clrMapOvr>
+    <a:masterClrMapping/>
+  </p:clrMapOvr>
+  <p:timing>
+    <p:tnLst>
+      <p:par>
+        <p:cTn xmlns:p14="http://schemas.microsoft.com/office/powerpoint/2010/main" id="1" dur="indefinite" restart="never" nodeType="tmRoot"/>
+      </p:par>
+    </p:tnLst>
+  </p:timing>
+</p:sld>
+</file>
+
+<file path=ppt/slides/slide25.xml><?xml version="1.0" encoding="utf-8"?>
+<p:sld xmlns:a="http://schemas.openxmlformats.org/drawingml/2006/main" xmlns:r="http://schemas.openxmlformats.org/officeDocument/2006/relationships" xmlns:p="http://schemas.openxmlformats.org/presentationml/2006/main">
+  <p:cSld>
+    <p:spTree>
+      <p:nvGrpSpPr>
+        <p:cNvPr id="1" name=""/>
+        <p:cNvGrpSpPr/>
+        <p:nvPr/>
+      </p:nvGrpSpPr>
+      <p:grpSpPr>
+        <a:xfrm>
+          <a:off x="0" y="0"/>
+          <a:ext cx="0" cy="0"/>
+          <a:chOff x="0" y="0"/>
+          <a:chExt cx="0" cy="0"/>
+        </a:xfrm>
+      </p:grpSpPr>
+      <p:sp>
+        <p:nvSpPr>
+          <p:cNvPr id="2" name="Title 1"/>
+          <p:cNvSpPr>
+            <a:spLocks noGrp="1"/>
+          </p:cNvSpPr>
+          <p:nvPr>
+            <p:ph type="title"/>
+          </p:nvPr>
+        </p:nvSpPr>
+        <p:spPr/>
+        <p:txBody>
+          <a:bodyPr/>
+          <a:lstStyle/>
+          <a:p>
+            <a:r>
               <a:rPr lang="en-US" dirty="0" err="1" smtClean="0"/>
               <a:t>LIquid</a:t>
             </a:r>
@@ -7098,11 +7553,7 @@
           <a:p>
             <a:r>
               <a:rPr lang="en-US" sz="2000" dirty="0" smtClean="0"/>
-              <a:t>Most container elements have percentage </a:t>
-            </a:r>
-            <a:r>
-              <a:rPr lang="en-US" sz="2000" dirty="0" smtClean="0"/>
-              <a:t>widths</a:t>
+              <a:t>Most container elements have percentage widths</a:t>
             </a:r>
           </a:p>
           <a:p>
@@ -7192,7 +7643,7 @@
 </p:sld>
 </file>
 
-<file path=ppt/slides/slide23.xml><?xml version="1.0" encoding="utf-8"?>
+<file path=ppt/slides/slide26.xml><?xml version="1.0" encoding="utf-8"?>
 <p:sld xmlns:a="http://schemas.openxmlformats.org/drawingml/2006/main" xmlns:r="http://schemas.openxmlformats.org/officeDocument/2006/relationships" xmlns:p="http://schemas.openxmlformats.org/presentationml/2006/main">
   <p:cSld>
     <p:spTree>
@@ -8104,7 +8555,7 @@
           <a:p>
             <a:r>
               <a:rPr lang="en-US" dirty="0" smtClean="0"/>
-              <a:t>SIMPLE CSS Document</a:t>
+              <a:t>Cascading Style Sheets</a:t>
             </a:r>
             <a:endParaRPr lang="en-US" dirty="0"/>
           </a:p>
@@ -8120,83 +8571,86 @@
             <p:ph idx="1"/>
           </p:nvPr>
         </p:nvSpPr>
-        <p:spPr/>
+        <p:spPr>
+          <a:xfrm>
+            <a:off x="581192" y="2180496"/>
+            <a:ext cx="11029615" cy="2285655"/>
+          </a:xfrm>
+        </p:spPr>
         <p:txBody>
           <a:bodyPr/>
           <a:lstStyle/>
           <a:p>
-            <a:pPr marL="0" indent="0">
-              <a:buNone/>
-            </a:pPr>
             <a:r>
               <a:rPr lang="en-US" dirty="0" smtClean="0"/>
-              <a:t>body{</a:t>
-            </a:r>
-            <a:r>
-              <a:rPr lang="en-US" dirty="0" err="1" smtClean="0"/>
-              <a:t>background-color:red</a:t>
-            </a:r>
+              <a:t>Separate content from layout</a:t>
+            </a:r>
+          </a:p>
+          <a:p>
+            <a:pPr lvl="1"/>
+            <a:r>
+              <a:rPr lang="en-US" u="sng" spc="-1" dirty="0" smtClean="0">
+                <a:solidFill>
+                  <a:srgbClr val="828282"/>
+                </a:solidFill>
+                <a:uFill>
+                  <a:solidFill>
+                    <a:srgbClr val="FFFFFF"/>
+                  </a:solidFill>
+                </a:uFill>
+                <a:hlinkClick r:id="rId2"/>
+              </a:rPr>
+              <a:t>See: </a:t>
+            </a:r>
+            <a:r>
+              <a:rPr lang="en-US" u="sng" spc="-1" dirty="0" smtClean="0">
+                <a:solidFill>
+                  <a:srgbClr val="828282"/>
+                </a:solidFill>
+                <a:uFill>
+                  <a:solidFill>
+                    <a:srgbClr val="FFFFFF"/>
+                  </a:solidFill>
+                </a:uFill>
+                <a:hlinkClick r:id="rId3"/>
+              </a:rPr>
+              <a:t>http</a:t>
+            </a:r>
+            <a:r>
+              <a:rPr lang="en-US" u="sng" spc="-1" dirty="0">
+                <a:solidFill>
+                  <a:srgbClr val="828282"/>
+                </a:solidFill>
+                <a:uFill>
+                  <a:solidFill>
+                    <a:srgbClr val="FFFFFF"/>
+                  </a:solidFill>
+                </a:uFill>
+                <a:hlinkClick r:id="rId3"/>
+              </a:rPr>
+              <a:t>://</a:t>
+            </a:r>
+            <a:r>
+              <a:rPr lang="en-US" u="sng" spc="-1" dirty="0" smtClean="0">
+                <a:solidFill>
+                  <a:srgbClr val="828282"/>
+                </a:solidFill>
+                <a:uFill>
+                  <a:solidFill>
+                    <a:srgbClr val="FFFFFF"/>
+                  </a:solidFill>
+                </a:uFill>
+                <a:hlinkClick r:id="rId3"/>
+              </a:rPr>
+              <a:t>csszengarden.com</a:t>
+            </a:r>
+            <a:endParaRPr lang="en-US" dirty="0" smtClean="0"/>
+          </a:p>
+          <a:p>
             <a:r>
               <a:rPr lang="en-US" dirty="0" smtClean="0"/>
-              <a:t>;}  /* element */ </a:t>
-            </a:r>
-          </a:p>
-          <a:p>
-            <a:pPr marL="0" indent="0">
-              <a:buNone/>
-            </a:pPr>
-            <a:r>
-              <a:rPr lang="en-US" dirty="0" smtClean="0"/>
-              <a:t>#main{</a:t>
-            </a:r>
-            <a:r>
-              <a:rPr lang="en-US" dirty="0" err="1" smtClean="0"/>
-              <a:t>color:purple</a:t>
-            </a:r>
-            <a:r>
-              <a:rPr lang="en-US" dirty="0" smtClean="0"/>
-              <a:t>;}  /* element id */</a:t>
-            </a:r>
-          </a:p>
-          <a:p>
-            <a:pPr marL="0" indent="0">
-              <a:buNone/>
-            </a:pPr>
-            <a:r>
-              <a:rPr lang="en-US" dirty="0" smtClean="0"/>
-              <a:t>.body-text{</a:t>
-            </a:r>
-            <a:r>
-              <a:rPr lang="en-US" dirty="0" err="1" smtClean="0"/>
-              <a:t>font-family:serif</a:t>
-            </a:r>
-            <a:r>
-              <a:rPr lang="en-US" dirty="0" smtClean="0"/>
-              <a:t>;} /* class */</a:t>
-            </a:r>
-          </a:p>
-          <a:p>
-            <a:pPr marL="0" indent="0">
-              <a:buNone/>
-            </a:pPr>
-            <a:endParaRPr lang="en-US" dirty="0"/>
-          </a:p>
-          <a:p>
-            <a:pPr marL="0" indent="0">
-              <a:buNone/>
-            </a:pPr>
-            <a:endParaRPr lang="en-US" dirty="0" smtClean="0"/>
-          </a:p>
-          <a:p>
-            <a:pPr marL="0" indent="0">
-              <a:buNone/>
-            </a:pPr>
-            <a:endParaRPr lang="en-US" dirty="0"/>
-          </a:p>
-          <a:p>
-            <a:pPr marL="0" indent="0">
-              <a:buNone/>
-            </a:pPr>
+              <a:t>Uses selection criteria based on position in document hierarchy, element type, class and / or element id to format elements.</a:t>
+            </a:r>
             <a:endParaRPr lang="en-US" dirty="0"/>
           </a:p>
         </p:txBody>
@@ -8204,20 +8658,13 @@
     </p:spTree>
     <p:extLst>
       <p:ext uri="{BB962C8B-B14F-4D97-AF65-F5344CB8AC3E}">
-        <p14:creationId xmlns:p14="http://schemas.microsoft.com/office/powerpoint/2010/main" val="2274162569"/>
+        <p14:creationId xmlns:p14="http://schemas.microsoft.com/office/powerpoint/2010/main" val="1224724613"/>
       </p:ext>
     </p:extLst>
   </p:cSld>
   <p:clrMapOvr>
     <a:masterClrMapping/>
   </p:clrMapOvr>
-  <p:timing>
-    <p:tnLst>
-      <p:par>
-        <p:cTn xmlns:p14="http://schemas.microsoft.com/office/powerpoint/2010/main" id="1" dur="indefinite" restart="never" nodeType="tmRoot"/>
-      </p:par>
-    </p:tnLst>
-  </p:timing>
 </p:sld>
 </file>
 
@@ -8255,7 +8702,7 @@
           <a:p>
             <a:r>
               <a:rPr lang="en-US" dirty="0" smtClean="0"/>
-              <a:t>Changing Elements VIA ID</a:t>
+              <a:t>SIMPLE CSS Document</a:t>
             </a:r>
             <a:endParaRPr lang="en-US" dirty="0"/>
           </a:p>
@@ -8271,24 +8718,25 @@
             <p:ph idx="1"/>
           </p:nvPr>
         </p:nvSpPr>
-        <p:spPr>
-          <a:xfrm>
-            <a:off x="581193" y="2514129"/>
-            <a:ext cx="8463954" cy="3678303"/>
-          </a:xfrm>
-        </p:spPr>
-        <p:txBody>
-          <a:bodyPr>
-            <a:noAutofit/>
-          </a:bodyPr>
+        <p:spPr/>
+        <p:txBody>
+          <a:bodyPr/>
           <a:lstStyle/>
           <a:p>
             <a:pPr marL="0" indent="0">
               <a:buNone/>
             </a:pPr>
             <a:r>
-              <a:rPr lang="en-US" sz="1600" dirty="0"/>
-              <a:t>&lt;!DOCTYPE html&gt;</a:t>
+              <a:rPr lang="en-US" dirty="0" smtClean="0"/>
+              <a:t>body{</a:t>
+            </a:r>
+            <a:r>
+              <a:rPr lang="en-US" dirty="0" err="1" smtClean="0"/>
+              <a:t>background-color:red</a:t>
+            </a:r>
+            <a:r>
+              <a:rPr lang="en-US" dirty="0" smtClean="0"/>
+              <a:t>;}  /* element */ </a:t>
             </a:r>
           </a:p>
           <a:p>
@@ -8296,8 +8744,16 @@
               <a:buNone/>
             </a:pPr>
             <a:r>
-              <a:rPr lang="en-US" sz="1600" dirty="0"/>
-              <a:t>&lt;html&gt;</a:t>
+              <a:rPr lang="en-US" dirty="0" smtClean="0"/>
+              <a:t>#main{</a:t>
+            </a:r>
+            <a:r>
+              <a:rPr lang="en-US" dirty="0" err="1" smtClean="0"/>
+              <a:t>color:purple</a:t>
+            </a:r>
+            <a:r>
+              <a:rPr lang="en-US" dirty="0" smtClean="0"/>
+              <a:t>;}  /* element id */</a:t>
             </a:r>
           </a:p>
           <a:p>
@@ -8305,125 +8761,48 @@
               <a:buNone/>
             </a:pPr>
             <a:r>
-              <a:rPr lang="en-US" sz="1600" dirty="0"/>
-              <a:t>&lt;head&gt;</a:t>
-            </a:r>
-          </a:p>
-          <a:p>
-            <a:pPr marL="324000" lvl="1" indent="0">
+              <a:rPr lang="en-US" dirty="0" smtClean="0"/>
+              <a:t>.body-text{</a:t>
+            </a:r>
+            <a:r>
+              <a:rPr lang="en-US" dirty="0" err="1" smtClean="0"/>
+              <a:t>font-family:serif</a:t>
+            </a:r>
+            <a:r>
+              <a:rPr lang="en-US" dirty="0" smtClean="0"/>
+              <a:t>;} /* class */</a:t>
+            </a:r>
+          </a:p>
+          <a:p>
+            <a:pPr marL="0" indent="0">
               <a:buNone/>
             </a:pPr>
-            <a:r>
-              <a:rPr lang="en-US" dirty="0"/>
-              <a:t>&lt;meta content="text/html; charset=utf-8" http-</a:t>
-            </a:r>
-            <a:r>
-              <a:rPr lang="en-US" dirty="0" err="1"/>
-              <a:t>equiv</a:t>
-            </a:r>
-            <a:r>
-              <a:rPr lang="en-US" dirty="0"/>
-              <a:t>="Content-Type"&gt;</a:t>
-            </a:r>
-          </a:p>
-          <a:p>
-            <a:pPr marL="324000" lvl="1" indent="0">
+            <a:endParaRPr lang="en-US" dirty="0"/>
+          </a:p>
+          <a:p>
+            <a:pPr marL="0" indent="0">
               <a:buNone/>
             </a:pPr>
-            <a:r>
-              <a:rPr lang="en-US" dirty="0"/>
-              <a:t>&lt;link media="screen" </a:t>
-            </a:r>
-            <a:r>
-              <a:rPr lang="en-US" dirty="0" err="1"/>
-              <a:t>rel</a:t>
-            </a:r>
-            <a:r>
-              <a:rPr lang="en-US" dirty="0"/>
-              <a:t>="stylesheet" title=“sample.css" </a:t>
-            </a:r>
-            <a:r>
-              <a:rPr lang="en-US" dirty="0" err="1"/>
-              <a:t>href</a:t>
-            </a:r>
-            <a:r>
-              <a:rPr lang="en-US" dirty="0"/>
-              <a:t>=“sample.css" type="text/</a:t>
-            </a:r>
-            <a:r>
-              <a:rPr lang="en-US" dirty="0" err="1"/>
-              <a:t>css</a:t>
-            </a:r>
-            <a:r>
-              <a:rPr lang="en-US" dirty="0"/>
-              <a:t>"&gt;</a:t>
-            </a:r>
+            <a:endParaRPr lang="en-US" dirty="0" smtClean="0"/>
           </a:p>
           <a:p>
             <a:pPr marL="0" indent="0">
               <a:buNone/>
             </a:pPr>
-            <a:r>
-              <a:rPr lang="en-US" sz="1600" dirty="0"/>
-              <a:t>&lt;/head&gt;</a:t>
-            </a:r>
+            <a:endParaRPr lang="en-US" dirty="0"/>
           </a:p>
           <a:p>
             <a:pPr marL="0" indent="0">
               <a:buNone/>
             </a:pPr>
-            <a:r>
-              <a:rPr lang="en-US" sz="1600" dirty="0"/>
-              <a:t>&lt;body&gt;</a:t>
-            </a:r>
-          </a:p>
-          <a:p>
-            <a:pPr marL="324000" lvl="1" indent="0">
-              <a:buNone/>
-            </a:pPr>
-            <a:r>
-              <a:rPr lang="en-US" dirty="0"/>
-              <a:t>&lt;</a:t>
-            </a:r>
-            <a:r>
-              <a:rPr lang="en-US" dirty="0" smtClean="0"/>
-              <a:t>div id=“main”&gt;This is content in an element named main</a:t>
-            </a:r>
-            <a:endParaRPr lang="en-US" dirty="0"/>
-          </a:p>
-          <a:p>
-            <a:pPr marL="324000" lvl="1" indent="0">
-              <a:buNone/>
-            </a:pPr>
-            <a:r>
-              <a:rPr lang="en-US" dirty="0"/>
-              <a:t>&lt;/div&gt;</a:t>
-            </a:r>
-          </a:p>
-          <a:p>
-            <a:pPr marL="0" indent="0">
-              <a:buNone/>
-            </a:pPr>
-            <a:r>
-              <a:rPr lang="en-US" sz="1600" dirty="0"/>
-              <a:t>&lt;/body&gt;</a:t>
-            </a:r>
-          </a:p>
-          <a:p>
-            <a:pPr marL="0" indent="0">
-              <a:buNone/>
-            </a:pPr>
-            <a:r>
-              <a:rPr lang="en-US" sz="1600" dirty="0"/>
-              <a:t>&lt;/html&gt;</a:t>
-            </a:r>
+            <a:endParaRPr lang="en-US" dirty="0"/>
           </a:p>
         </p:txBody>
       </p:sp>
     </p:spTree>
     <p:extLst>
       <p:ext uri="{BB962C8B-B14F-4D97-AF65-F5344CB8AC3E}">
-        <p14:creationId xmlns:p14="http://schemas.microsoft.com/office/powerpoint/2010/main" val="3758451427"/>
+        <p14:creationId xmlns:p14="http://schemas.microsoft.com/office/powerpoint/2010/main" val="2274162569"/>
       </p:ext>
     </p:extLst>
   </p:cSld>
@@ -8474,7 +8853,7 @@
           <a:p>
             <a:r>
               <a:rPr lang="en-US" dirty="0" smtClean="0"/>
-              <a:t>Changing Elements via class</a:t>
+              <a:t>Changing Elements VIA ID</a:t>
             </a:r>
             <a:endParaRPr lang="en-US" dirty="0"/>
           </a:p>
@@ -8492,13 +8871,13 @@
         </p:nvSpPr>
         <p:spPr>
           <a:xfrm>
-            <a:off x="370704" y="2001796"/>
-            <a:ext cx="11240104" cy="4572000"/>
+            <a:off x="581193" y="2514129"/>
+            <a:ext cx="8463954" cy="3678303"/>
           </a:xfrm>
         </p:spPr>
         <p:txBody>
           <a:bodyPr>
-            <a:normAutofit fontScale="62500" lnSpcReduction="20000"/>
+            <a:noAutofit/>
           </a:bodyPr>
           <a:lstStyle/>
           <a:p>
@@ -8529,77 +8908,61 @@
             </a:r>
           </a:p>
           <a:p>
-            <a:pPr marL="0" indent="0">
+            <a:pPr marL="324000" lvl="1" indent="0">
               <a:buNone/>
             </a:pPr>
             <a:r>
-              <a:rPr lang="en-US" sz="1600" dirty="0"/>
-              <a:t>    &lt;meta charset="utf-8"&gt;</a:t>
-            </a:r>
-          </a:p>
-          <a:p>
-            <a:pPr marL="0" indent="0">
+              <a:rPr lang="en-US" dirty="0"/>
+              <a:t>&lt;meta content="text/html; charset=utf-8" http-</a:t>
+            </a:r>
+            <a:r>
+              <a:rPr lang="en-US" dirty="0" err="1"/>
+              <a:t>equiv</a:t>
+            </a:r>
+            <a:r>
+              <a:rPr lang="en-US" dirty="0"/>
+              <a:t>="Content-Type"&gt;</a:t>
+            </a:r>
+          </a:p>
+          <a:p>
+            <a:pPr marL="324000" lvl="1" indent="0">
               <a:buNone/>
             </a:pPr>
             <a:r>
-              <a:rPr lang="en-US" sz="1600" dirty="0"/>
-              <a:t>    &lt;meta http-</a:t>
-            </a:r>
-            <a:r>
-              <a:rPr lang="en-US" sz="1600" dirty="0" err="1"/>
-              <a:t>equiv</a:t>
-            </a:r>
-            <a:r>
-              <a:rPr lang="en-US" sz="1600" dirty="0"/>
-              <a:t>="X-UA-Compatible" content="IE=edge"&gt;</a:t>
-            </a:r>
-          </a:p>
-          <a:p>
-            <a:pPr marL="0" indent="0">
-              <a:buNone/>
-            </a:pPr>
-            <a:r>
-              <a:rPr lang="en-US" sz="1600" dirty="0"/>
-              <a:t>    &lt;meta name="viewport" content="width=device-width, initial-scale=1"&gt;</a:t>
-            </a:r>
-          </a:p>
-          <a:p>
-            <a:pPr marL="0" indent="0">
-              <a:buNone/>
-            </a:pPr>
-            <a:r>
-              <a:rPr lang="en-US" sz="1600" dirty="0"/>
-              <a:t>    &lt;title&gt;Simple Cascading Example&lt;/title</a:t>
-            </a:r>
-            <a:r>
-              <a:rPr lang="en-US" sz="1600" dirty="0" smtClean="0"/>
-              <a:t>&gt;</a:t>
-            </a:r>
-            <a:endParaRPr lang="en-US" sz="1600" dirty="0"/>
-          </a:p>
-          <a:p>
-            <a:pPr marL="0" indent="0">
-              <a:buNone/>
-            </a:pPr>
-            <a:r>
-              <a:rPr lang="en-US" sz="1600" dirty="0"/>
-              <a:t>    &lt;link </a:t>
-            </a:r>
-            <a:r>
-              <a:rPr lang="en-US" sz="1600" dirty="0" err="1"/>
+              <a:rPr lang="en-US" dirty="0"/>
+              <a:t>&lt;link media="screen" </a:t>
+            </a:r>
+            <a:r>
+              <a:rPr lang="en-US" dirty="0" err="1"/>
+              <a:t>rel</a:t>
+            </a:r>
+            <a:r>
+              <a:rPr lang="en-US" dirty="0"/>
+              <a:t>="stylesheet" title=“sample.css" </a:t>
+            </a:r>
+            <a:r>
+              <a:rPr lang="en-US" dirty="0" err="1"/>
               <a:t>href</a:t>
             </a:r>
             <a:r>
-              <a:rPr lang="en-US" sz="1600" dirty="0"/>
-              <a:t>="example.css" </a:t>
-            </a:r>
-            <a:r>
-              <a:rPr lang="en-US" sz="1600" dirty="0" err="1"/>
-              <a:t>rel</a:t>
-            </a:r>
-            <a:r>
-              <a:rPr lang="en-US" sz="1600" dirty="0"/>
-              <a:t>="stylesheet"&gt;</a:t>
+              <a:rPr lang="en-US" dirty="0"/>
+              <a:t>=“</a:t>
+            </a:r>
+            <a:r>
+              <a:rPr lang="en-US" dirty="0" err="1" smtClean="0"/>
+              <a:t>style.css</a:t>
+            </a:r>
+            <a:r>
+              <a:rPr lang="en-US" dirty="0"/>
+              <a:t>" type="text/</a:t>
+            </a:r>
+            <a:r>
+              <a:rPr lang="en-US" dirty="0" err="1"/>
+              <a:t>css</a:t>
+            </a:r>
+            <a:r>
+              <a:rPr lang="en-US" dirty="0"/>
+              <a:t>"&gt;</a:t>
             </a:r>
           </a:p>
           <a:p>
@@ -8621,74 +8984,26 @@
             </a:r>
           </a:p>
           <a:p>
-            <a:pPr marL="0" indent="0">
+            <a:pPr marL="324000" lvl="1" indent="0">
               <a:buNone/>
             </a:pPr>
             <a:r>
-              <a:rPr lang="en-US" sz="1600" dirty="0"/>
-              <a:t>   &lt;p id="first-paragraph" class="header" class=“body-text”&gt;Paragraph One&lt;/p&gt;</a:t>
-            </a:r>
-          </a:p>
-          <a:p>
-            <a:pPr marL="0" indent="0">
+              <a:rPr lang="en-US" dirty="0"/>
+              <a:t>&lt;</a:t>
+            </a:r>
+            <a:r>
+              <a:rPr lang="en-US" dirty="0" smtClean="0"/>
+              <a:t>div id=“main”&gt;This is content in an element named main</a:t>
+            </a:r>
+            <a:endParaRPr lang="en-US" dirty="0"/>
+          </a:p>
+          <a:p>
+            <a:pPr marL="324000" lvl="1" indent="0">
               <a:buNone/>
             </a:pPr>
             <a:r>
-              <a:rPr lang="en-US" sz="1600" dirty="0"/>
-              <a:t>	&lt;p class=“body-text”&gt;Paragraph Two&lt;/p&gt;</a:t>
-            </a:r>
-          </a:p>
-          <a:p>
-            <a:pPr marL="0" indent="0">
-              <a:buNone/>
-            </a:pPr>
-            <a:r>
-              <a:rPr lang="en-US" sz="1600" dirty="0"/>
-              <a:t>	&lt;p class=“body-text”&gt;Paragraph </a:t>
-            </a:r>
-            <a:r>
-              <a:rPr lang="en-US" sz="1600" dirty="0" err="1"/>
-              <a:t>Thre</a:t>
-            </a:r>
-            <a:r>
-              <a:rPr lang="en-US" sz="1600" dirty="0"/>
-              <a:t>&lt;/p&gt;</a:t>
-            </a:r>
-          </a:p>
-          <a:p>
-            <a:pPr marL="0" indent="0">
-              <a:buNone/>
-            </a:pPr>
-            <a:r>
-              <a:rPr lang="en-US" sz="1600" dirty="0"/>
-              <a:t>	&lt;p class=“”&gt;Paragraph Three&lt;/p&gt;</a:t>
-            </a:r>
-          </a:p>
-          <a:p>
-            <a:pPr marL="0" indent="0">
-              <a:buNone/>
-            </a:pPr>
-            <a:r>
-              <a:rPr lang="en-US" sz="1600" dirty="0"/>
-              <a:t>	&lt;p class=“”&gt;Paragraph Four&lt;/p&gt;</a:t>
-            </a:r>
-          </a:p>
-          <a:p>
-            <a:pPr marL="0" indent="0">
-              <a:buNone/>
-            </a:pPr>
-            <a:r>
-              <a:rPr lang="en-US" sz="1600" dirty="0"/>
-              <a:t>	&lt;div&gt;This is a child&lt;/div&gt;</a:t>
-            </a:r>
-          </a:p>
-          <a:p>
-            <a:pPr marL="0" indent="0">
-              <a:buNone/>
-            </a:pPr>
-            <a:r>
-              <a:rPr lang="en-US" sz="1600" dirty="0"/>
-              <a:t>	&lt;div&gt;&lt;div&gt;This is a grandchild&lt;/div&gt;&lt;/div&gt;</a:t>
+              <a:rPr lang="en-US" dirty="0"/>
+              <a:t>&lt;/div&gt;</a:t>
             </a:r>
           </a:p>
           <a:p>
@@ -8708,14 +9023,13 @@
               <a:rPr lang="en-US" sz="1600" dirty="0"/>
               <a:t>&lt;/html&gt;</a:t>
             </a:r>
-            <a:endParaRPr lang="en-US" dirty="0"/>
           </a:p>
         </p:txBody>
       </p:sp>
     </p:spTree>
     <p:extLst>
       <p:ext uri="{BB962C8B-B14F-4D97-AF65-F5344CB8AC3E}">
-        <p14:creationId xmlns:p14="http://schemas.microsoft.com/office/powerpoint/2010/main" val="1391026707"/>
+        <p14:creationId xmlns:p14="http://schemas.microsoft.com/office/powerpoint/2010/main" val="3758451427"/>
       </p:ext>
     </p:extLst>
   </p:cSld>
@@ -8995,7 +9309,7 @@
   <a:extraClrSchemeLst/>
   <a:extLst>
     <a:ext uri="{05A4C25C-085E-4340-85A3-A5531E510DB2}">
-      <thm15:themeFamily xmlns="" xmlns:thm15="http://schemas.microsoft.com/office/thememl/2012/main" name="Dividend" id="{9697A71B-4AB7-4A1A-BD5B-BB2D22835B57}" vid="{C21699FF-00E4-43C8-BBCC-D7E5536C3717}"/>
+      <thm15:themeFamily xmlns:thm15="http://schemas.microsoft.com/office/thememl/2012/main" xmlns="" name="Dividend" id="{9697A71B-4AB7-4A1A-BD5B-BB2D22835B57}" vid="{C21699FF-00E4-43C8-BBCC-D7E5536C3717}"/>
     </a:ext>
   </a:extLst>
 </a:theme>

--- a/Lecture notes/week1_overview/Introduction to Web design.pptx
+++ b/Lecture notes/week1_overview/Introduction to Web design.pptx
@@ -31,6 +31,7 @@
     <p:sldId id="285" r:id="rId25"/>
     <p:sldId id="284" r:id="rId26"/>
     <p:sldId id="286" r:id="rId27"/>
+    <p:sldId id="310" r:id="rId28"/>
   </p:sldIdLst>
   <p:sldSz cx="12192000" cy="6858000"/>
   <p:notesSz cx="6858000" cy="9144000"/>
@@ -131,7 +132,7 @@
   </p:defaultTextStyle>
   <p:extLst>
     <p:ext uri="{EFAFB233-063F-42B5-8137-9DF3F51BA10A}">
-      <p15:sldGuideLst xmlns:p15="http://schemas.microsoft.com/office/powerpoint/2012/main" xmlns=""/>
+      <p15:sldGuideLst xmlns="" xmlns:p15="http://schemas.microsoft.com/office/powerpoint/2012/main"/>
     </p:ext>
   </p:extLst>
 </p:presentation>
@@ -383,7 +384,7 @@
             <a:fld id="{B61BEF0D-F0BB-DE4B-95CE-6DB70DBA9567}" type="datetimeFigureOut">
               <a:rPr lang="en-US" dirty="0"/>
               <a:pPr/>
-              <a:t>1/30/17</a:t>
+              <a:t>2/6/17</a:t>
             </a:fld>
             <a:endParaRPr lang="en-US" dirty="0"/>
           </a:p>
@@ -642,7 +643,7 @@
             <a:fld id="{B61BEF0D-F0BB-DE4B-95CE-6DB70DBA9567}" type="datetimeFigureOut">
               <a:rPr lang="en-US" dirty="0"/>
               <a:pPr/>
-              <a:t>1/30/17</a:t>
+              <a:t>2/6/17</a:t>
             </a:fld>
             <a:endParaRPr lang="en-US" dirty="0"/>
           </a:p>
@@ -874,7 +875,7 @@
             <a:fld id="{B61BEF0D-F0BB-DE4B-95CE-6DB70DBA9567}" type="datetimeFigureOut">
               <a:rPr lang="en-US" dirty="0"/>
               <a:pPr/>
-              <a:t>1/30/17</a:t>
+              <a:t>2/6/17</a:t>
             </a:fld>
             <a:endParaRPr lang="en-US" dirty="0"/>
           </a:p>
@@ -1111,7 +1112,7 @@
             <a:fld id="{B61BEF0D-F0BB-DE4B-95CE-6DB70DBA9567}" type="datetimeFigureOut">
               <a:rPr lang="en-US" dirty="0"/>
               <a:pPr/>
-              <a:t>1/30/17</a:t>
+              <a:t>2/6/17</a:t>
             </a:fld>
             <a:endParaRPr lang="en-US" dirty="0"/>
           </a:p>
@@ -1415,7 +1416,7 @@
             <a:fld id="{B61BEF0D-F0BB-DE4B-95CE-6DB70DBA9567}" type="datetimeFigureOut">
               <a:rPr lang="en-US" dirty="0"/>
               <a:pPr/>
-              <a:t>1/30/17</a:t>
+              <a:t>2/6/17</a:t>
             </a:fld>
             <a:endParaRPr lang="en-US" dirty="0"/>
           </a:p>
@@ -1714,7 +1715,7 @@
             <a:fld id="{B61BEF0D-F0BB-DE4B-95CE-6DB70DBA9567}" type="datetimeFigureOut">
               <a:rPr lang="en-US" dirty="0"/>
               <a:pPr/>
-              <a:t>1/30/17</a:t>
+              <a:t>2/6/17</a:t>
             </a:fld>
             <a:endParaRPr lang="en-US" dirty="0"/>
           </a:p>
@@ -2133,7 +2134,7 @@
             <a:fld id="{B61BEF0D-F0BB-DE4B-95CE-6DB70DBA9567}" type="datetimeFigureOut">
               <a:rPr lang="en-US" dirty="0"/>
               <a:pPr/>
-              <a:t>1/30/17</a:t>
+              <a:t>2/6/17</a:t>
             </a:fld>
             <a:endParaRPr lang="en-US" dirty="0"/>
           </a:p>
@@ -2292,7 +2293,7 @@
             <a:fld id="{B61BEF0D-F0BB-DE4B-95CE-6DB70DBA9567}" type="datetimeFigureOut">
               <a:rPr lang="en-US" dirty="0"/>
               <a:pPr/>
-              <a:t>1/30/17</a:t>
+              <a:t>2/6/17</a:t>
             </a:fld>
             <a:endParaRPr lang="en-US" dirty="0"/>
           </a:p>
@@ -2384,7 +2385,7 @@
             <a:fld id="{B61BEF0D-F0BB-DE4B-95CE-6DB70DBA9567}" type="datetimeFigureOut">
               <a:rPr lang="en-US" dirty="0"/>
               <a:pPr/>
-              <a:t>1/30/17</a:t>
+              <a:t>2/6/17</a:t>
             </a:fld>
             <a:endParaRPr lang="en-US" dirty="0"/>
           </a:p>
@@ -2759,7 +2760,7 @@
             <a:fld id="{B61BEF0D-F0BB-DE4B-95CE-6DB70DBA9567}" type="datetimeFigureOut">
               <a:rPr lang="en-US" dirty="0"/>
               <a:pPr/>
-              <a:t>1/30/17</a:t>
+              <a:t>2/6/17</a:t>
             </a:fld>
             <a:endParaRPr lang="en-US" dirty="0"/>
           </a:p>
@@ -3045,7 +3046,7 @@
             <a:fld id="{B61BEF0D-F0BB-DE4B-95CE-6DB70DBA9567}" type="datetimeFigureOut">
               <a:rPr lang="en-US" dirty="0"/>
               <a:pPr/>
-              <a:t>1/30/17</a:t>
+              <a:t>2/6/17</a:t>
             </a:fld>
             <a:endParaRPr lang="en-US" dirty="0"/>
           </a:p>
@@ -3253,7 +3254,7 @@
             <a:fld id="{B61BEF0D-F0BB-DE4B-95CE-6DB70DBA9567}" type="datetimeFigureOut">
               <a:rPr lang="en-US" dirty="0"/>
               <a:pPr/>
-              <a:t>1/30/17</a:t>
+              <a:t>2/6/17</a:t>
             </a:fld>
             <a:endParaRPr lang="en-US" dirty="0"/>
           </a:p>
@@ -4391,11 +4392,7 @@
           <a:p>
             <a:r>
               <a:rPr lang="en-US" dirty="0" smtClean="0"/>
-              <a:t>Inheritance: Why is the text All </a:t>
-            </a:r>
-            <a:r>
-              <a:rPr lang="en-US" dirty="0" smtClean="0"/>
-              <a:t>RED?</a:t>
+              <a:t>Inheritance: Why is the text All RED?</a:t>
             </a:r>
             <a:endParaRPr lang="en-US" dirty="0"/>
           </a:p>
@@ -4767,13 +4764,8 @@
             <a:pPr lvl="1"/>
             <a:r>
               <a:rPr lang="en-US" sz="2000" dirty="0" smtClean="0"/>
-              <a:t>Ids are the most </a:t>
-            </a:r>
-            <a:r>
-              <a:rPr lang="en-US" sz="2000" dirty="0" smtClean="0"/>
-              <a:t>specific</a:t>
-            </a:r>
-            <a:endParaRPr lang="en-US" sz="2000" dirty="0" smtClean="0"/>
+              <a:t>Ids are the most specific</a:t>
+            </a:r>
           </a:p>
           <a:p>
             <a:pPr lvl="1"/>
@@ -4851,7 +4843,19 @@
           <a:p>
             <a:r>
               <a:rPr lang="en-US" dirty="0" smtClean="0"/>
-              <a:t>Display; Block, Inline, None</a:t>
+              <a:t>Display</a:t>
+            </a:r>
+            <a:r>
+              <a:rPr lang="en-US" dirty="0" smtClean="0"/>
+              <a:t>: </a:t>
+            </a:r>
+            <a:r>
+              <a:rPr lang="en-US" dirty="0" smtClean="0"/>
+              <a:t>Block</a:t>
+            </a:r>
+            <a:r>
+              <a:rPr lang="en-US" dirty="0" smtClean="0"/>
+              <a:t>, Inline, None</a:t>
             </a:r>
             <a:endParaRPr lang="en-US" dirty="0"/>
           </a:p>
@@ -7540,41 +7544,74 @@
             <p:ph idx="1"/>
           </p:nvPr>
         </p:nvSpPr>
-        <p:spPr/>
-        <p:txBody>
-          <a:bodyPr/>
+        <p:spPr>
+          <a:xfrm>
+            <a:off x="581192" y="2581827"/>
+            <a:ext cx="11029615" cy="2540192"/>
+          </a:xfrm>
+        </p:spPr>
+        <p:txBody>
+          <a:bodyPr>
+            <a:normAutofit fontScale="85000" lnSpcReduction="20000"/>
+          </a:bodyPr>
           <a:lstStyle/>
           <a:p>
+            <a:endParaRPr lang="en-US" sz="2000" dirty="0"/>
+          </a:p>
+          <a:p>
             <a:r>
               <a:rPr lang="en-US" sz="2000" dirty="0" smtClean="0"/>
+              <a:t>All </a:t>
+            </a:r>
+            <a:r>
+              <a:rPr lang="en-US" sz="2000" dirty="0"/>
+              <a:t>containers on the page have their widths defined in </a:t>
+            </a:r>
+            <a:r>
+              <a:rPr lang="en-US" sz="2000" dirty="0" err="1"/>
+              <a:t>percents</a:t>
+            </a:r>
+            <a:r>
+              <a:rPr lang="en-US" sz="2000" dirty="0"/>
+              <a:t> – meaning that they are completely based on the viewport rather than the initial containing block. A </a:t>
+            </a:r>
+            <a:r>
+              <a:rPr lang="en-US" sz="2000" b="1" dirty="0"/>
+              <a:t>liquid layout</a:t>
+            </a:r>
+            <a:r>
+              <a:rPr lang="en-US" sz="2000" dirty="0"/>
+              <a:t> will move in and out when you resize your browser </a:t>
+            </a:r>
+            <a:r>
+              <a:rPr lang="en-US" sz="2000" dirty="0" smtClean="0"/>
+              <a:t>window</a:t>
+            </a:r>
+          </a:p>
+          <a:p>
+            <a:r>
+              <a:rPr lang="en-US" sz="2000" dirty="0"/>
               <a:t>Layout changes according to the width of browser resolution, and resolution of screen</a:t>
             </a:r>
           </a:p>
           <a:p>
             <a:r>
+              <a:rPr lang="en-US" sz="2000" dirty="0"/>
+              <a:t>Most container elements have percentage widths</a:t>
+            </a:r>
+          </a:p>
+          <a:p>
+            <a:pPr marL="0" indent="0">
+              <a:buNone/>
+            </a:pPr>
+            <a:r>
               <a:rPr lang="en-US" sz="2000" dirty="0" smtClean="0"/>
-              <a:t>Most container elements have percentage widths</a:t>
-            </a:r>
-          </a:p>
-          <a:p>
-            <a:endParaRPr lang="en-US" sz="2000" dirty="0"/>
-          </a:p>
-          <a:p>
-            <a:pPr marL="0" indent="0">
-              <a:buNone/>
-            </a:pPr>
+              <a:t>Example</a:t>
+            </a:r>
             <a:r>
               <a:rPr lang="en-US" sz="2000" dirty="0" smtClean="0"/>
-              <a:t>Example: </a:t>
-            </a:r>
-          </a:p>
-          <a:p>
-            <a:pPr marL="0" indent="0">
-              <a:buNone/>
-            </a:pPr>
-            <a:endParaRPr lang="de-DE" sz="2000" dirty="0" smtClean="0">
-              <a:hlinkClick r:id="rId2"/>
-            </a:endParaRPr>
+              <a:t>: </a:t>
+            </a:r>
           </a:p>
           <a:p>
             <a:pPr marL="0" indent="0">
@@ -7812,6 +7849,100 @@
       </p:par>
     </p:tnLst>
   </p:timing>
+</p:sld>
+</file>
+
+<file path=ppt/slides/slide27.xml><?xml version="1.0" encoding="utf-8"?>
+<p:sld xmlns:a="http://schemas.openxmlformats.org/drawingml/2006/main" xmlns:r="http://schemas.openxmlformats.org/officeDocument/2006/relationships" xmlns:p="http://schemas.openxmlformats.org/presentationml/2006/main">
+  <p:cSld>
+    <p:spTree>
+      <p:nvGrpSpPr>
+        <p:cNvPr id="1" name=""/>
+        <p:cNvGrpSpPr/>
+        <p:nvPr/>
+      </p:nvGrpSpPr>
+      <p:grpSpPr>
+        <a:xfrm>
+          <a:off x="0" y="0"/>
+          <a:ext cx="0" cy="0"/>
+          <a:chOff x="0" y="0"/>
+          <a:chExt cx="0" cy="0"/>
+        </a:xfrm>
+      </p:grpSpPr>
+      <p:sp>
+        <p:nvSpPr>
+          <p:cNvPr id="2" name="Title 1"/>
+          <p:cNvSpPr>
+            <a:spLocks noGrp="1"/>
+          </p:cNvSpPr>
+          <p:nvPr>
+            <p:ph type="title"/>
+          </p:nvPr>
+        </p:nvSpPr>
+        <p:spPr/>
+        <p:txBody>
+          <a:bodyPr/>
+          <a:lstStyle/>
+          <a:p>
+            <a:r>
+              <a:rPr lang="en-US" dirty="0" smtClean="0"/>
+              <a:t>Mixture of Liquid and </a:t>
+            </a:r>
+            <a:r>
+              <a:rPr lang="en-US" smtClean="0"/>
+              <a:t>Fixed Layouts</a:t>
+            </a:r>
+            <a:endParaRPr lang="en-US" dirty="0"/>
+          </a:p>
+        </p:txBody>
+      </p:sp>
+      <p:sp>
+        <p:nvSpPr>
+          <p:cNvPr id="3" name="Content Placeholder 2"/>
+          <p:cNvSpPr>
+            <a:spLocks noGrp="1"/>
+          </p:cNvSpPr>
+          <p:nvPr>
+            <p:ph idx="1"/>
+          </p:nvPr>
+        </p:nvSpPr>
+        <p:spPr/>
+        <p:txBody>
+          <a:bodyPr/>
+          <a:lstStyle/>
+          <a:p>
+            <a:r>
+              <a:rPr lang="en-US" dirty="0" smtClean="0"/>
+              <a:t>A liquid layout in which one or more of the containers on the page have fixed widths.</a:t>
+            </a:r>
+          </a:p>
+          <a:p>
+            <a:endParaRPr lang="en-US" dirty="0"/>
+          </a:p>
+          <a:p>
+            <a:endParaRPr lang="en-US" dirty="0" smtClean="0"/>
+          </a:p>
+          <a:p>
+            <a:endParaRPr lang="en-US" dirty="0"/>
+          </a:p>
+          <a:p>
+            <a:endParaRPr lang="en-US" dirty="0" smtClean="0"/>
+          </a:p>
+          <a:p>
+            <a:endParaRPr lang="en-US" dirty="0"/>
+          </a:p>
+        </p:txBody>
+      </p:sp>
+    </p:spTree>
+    <p:extLst>
+      <p:ext uri="{BB962C8B-B14F-4D97-AF65-F5344CB8AC3E}">
+        <p14:creationId xmlns:p14="http://schemas.microsoft.com/office/powerpoint/2010/main" val="2530138039"/>
+      </p:ext>
+    </p:extLst>
+  </p:cSld>
+  <p:clrMapOvr>
+    <a:masterClrMapping/>
+  </p:clrMapOvr>
 </p:sld>
 </file>
 
@@ -9309,7 +9440,7 @@
   <a:extraClrSchemeLst/>
   <a:extLst>
     <a:ext uri="{05A4C25C-085E-4340-85A3-A5531E510DB2}">
-      <thm15:themeFamily xmlns:thm15="http://schemas.microsoft.com/office/thememl/2012/main" xmlns="" name="Dividend" id="{9697A71B-4AB7-4A1A-BD5B-BB2D22835B57}" vid="{C21699FF-00E4-43C8-BBCC-D7E5536C3717}"/>
+      <thm15:themeFamily xmlns="" xmlns:thm15="http://schemas.microsoft.com/office/thememl/2012/main" name="Dividend" id="{9697A71B-4AB7-4A1A-BD5B-BB2D22835B57}" vid="{C21699FF-00E4-43C8-BBCC-D7E5536C3717}"/>
     </a:ext>
   </a:extLst>
 </a:theme>
